--- a/4.tableau/Electric Vehicle Data/Electric Vehicle Data/Electric Vehicle Presentation.pptx
+++ b/4.tableau/Electric Vehicle Data/Electric Vehicle Data/Electric Vehicle Presentation.pptx
@@ -1,14 +1,14 @@
 
 <file path=ppt/presentation.xml><?xml version="1.0" encoding="utf-8"?>
-<p:presentation xmlns:a="http://schemas.openxmlformats.org/drawingml/2006/main" xmlns:r="http://schemas.openxmlformats.org/officeDocument/2006/relationships" xmlns:p="http://schemas.openxmlformats.org/presentationml/2006/main" saveSubsetFonts="1">
+<p:presentation xmlns:a="http://schemas.openxmlformats.org/drawingml/2006/main" xmlns:r="http://schemas.openxmlformats.org/officeDocument/2006/relationships" xmlns:p="http://schemas.openxmlformats.org/presentationml/2006/main">
   <p:sldMasterIdLst>
     <p:sldMasterId id="2147483648" r:id="rId1"/>
   </p:sldMasterIdLst>
   <p:sldIdLst>
-    <p:sldId id="256" r:id="rId2"/>
-    <p:sldId id="257" r:id="rId3"/>
-    <p:sldId id="258" r:id="rId4"/>
-    <p:sldId id="259" r:id="rId5"/>
+    <p:sldId id="260" r:id="rId3"/>
+    <p:sldId id="256" r:id="rId4"/>
+    <p:sldId id="257" r:id="rId5"/>
+    <p:sldId id="259" r:id="rId6"/>
   </p:sldIdLst>
   <p:sldSz cx="12192000" cy="6858000"/>
   <p:notesSz cx="6858000" cy="9144000"/>
@@ -129,13 +129,7 @@
       </p:grpSpPr>
       <p:sp>
         <p:nvSpPr>
-          <p:cNvPr id="2" name="Title 1">
-            <a:extLst>
-              <a:ext uri="{FF2B5EF4-FFF2-40B4-BE49-F238E27FC236}">
-                <a16:creationId xmlns:a16="http://schemas.microsoft.com/office/drawing/2014/main" id="{8F4BBD46-E28A-D412-7F74-4753AFAF00E8}"/>
-              </a:ext>
-            </a:extLst>
-          </p:cNvPr>
+          <p:cNvPr id="2" name="Title 1"/>
           <p:cNvSpPr>
             <a:spLocks noGrp="1"/>
           </p:cNvSpPr>
@@ -167,13 +161,7 @@
       </p:sp>
       <p:sp>
         <p:nvSpPr>
-          <p:cNvPr id="3" name="Subtitle 2">
-            <a:extLst>
-              <a:ext uri="{FF2B5EF4-FFF2-40B4-BE49-F238E27FC236}">
-                <a16:creationId xmlns:a16="http://schemas.microsoft.com/office/drawing/2014/main" id="{BB111611-D46A-D0C2-7C9D-3F771479A9AA}"/>
-              </a:ext>
-            </a:extLst>
-          </p:cNvPr>
+          <p:cNvPr id="3" name="Subtitle 2"/>
           <p:cNvSpPr>
             <a:spLocks noGrp="1"/>
           </p:cNvSpPr>
@@ -238,13 +226,7 @@
       </p:sp>
       <p:sp>
         <p:nvSpPr>
-          <p:cNvPr id="4" name="Date Placeholder 3">
-            <a:extLst>
-              <a:ext uri="{FF2B5EF4-FFF2-40B4-BE49-F238E27FC236}">
-                <a16:creationId xmlns:a16="http://schemas.microsoft.com/office/drawing/2014/main" id="{DF98FA47-414C-24FC-8824-FB6DFE79C7FD}"/>
-              </a:ext>
-            </a:extLst>
-          </p:cNvPr>
+          <p:cNvPr id="4" name="Date Placeholder 3"/>
           <p:cNvSpPr>
             <a:spLocks noGrp="1"/>
           </p:cNvSpPr>
@@ -259,7 +241,6 @@
           <a:p>
             <a:fld id="{564BBF06-5B1F-4A04-BE25-D940959E4FD8}" type="datetimeFigureOut">
               <a:rPr lang="en-IN" smtClean="0"/>
-              <a:t>05-02-2024</a:t>
             </a:fld>
             <a:endParaRPr lang="en-IN"/>
           </a:p>
@@ -267,13 +248,7 @@
       </p:sp>
       <p:sp>
         <p:nvSpPr>
-          <p:cNvPr id="5" name="Footer Placeholder 4">
-            <a:extLst>
-              <a:ext uri="{FF2B5EF4-FFF2-40B4-BE49-F238E27FC236}">
-                <a16:creationId xmlns:a16="http://schemas.microsoft.com/office/drawing/2014/main" id="{10392611-3555-2CED-1DAC-4A677535C786}"/>
-              </a:ext>
-            </a:extLst>
-          </p:cNvPr>
+          <p:cNvPr id="5" name="Footer Placeholder 4"/>
           <p:cNvSpPr>
             <a:spLocks noGrp="1"/>
           </p:cNvSpPr>
@@ -292,13 +267,7 @@
       </p:sp>
       <p:sp>
         <p:nvSpPr>
-          <p:cNvPr id="6" name="Slide Number Placeholder 5">
-            <a:extLst>
-              <a:ext uri="{FF2B5EF4-FFF2-40B4-BE49-F238E27FC236}">
-                <a16:creationId xmlns:a16="http://schemas.microsoft.com/office/drawing/2014/main" id="{50AB0E5B-EF7F-82D0-602F-937014DC5692}"/>
-              </a:ext>
-            </a:extLst>
-          </p:cNvPr>
+          <p:cNvPr id="6" name="Slide Number Placeholder 5"/>
           <p:cNvSpPr>
             <a:spLocks noGrp="1"/>
           </p:cNvSpPr>
@@ -313,18 +282,12 @@
           <a:p>
             <a:fld id="{DDD31034-5206-4DFE-87C2-5154C1E33152}" type="slidenum">
               <a:rPr lang="en-IN" smtClean="0"/>
-              <a:t>‹#›</a:t>
             </a:fld>
             <a:endParaRPr lang="en-IN"/>
           </a:p>
         </p:txBody>
       </p:sp>
     </p:spTree>
-    <p:extLst>
-      <p:ext uri="{BB962C8B-B14F-4D97-AF65-F5344CB8AC3E}">
-        <p14:creationId xmlns:p14="http://schemas.microsoft.com/office/powerpoint/2010/main" val="1634642648"/>
-      </p:ext>
-    </p:extLst>
   </p:cSld>
   <p:clrMapOvr>
     <a:masterClrMapping/>
@@ -351,13 +314,7 @@
       </p:grpSpPr>
       <p:sp>
         <p:nvSpPr>
-          <p:cNvPr id="2" name="Title 1">
-            <a:extLst>
-              <a:ext uri="{FF2B5EF4-FFF2-40B4-BE49-F238E27FC236}">
-                <a16:creationId xmlns:a16="http://schemas.microsoft.com/office/drawing/2014/main" id="{105B2398-0724-18CF-582D-9D346F40F0FB}"/>
-              </a:ext>
-            </a:extLst>
-          </p:cNvPr>
+          <p:cNvPr id="2" name="Title 1"/>
           <p:cNvSpPr>
             <a:spLocks noGrp="1"/>
           </p:cNvSpPr>
@@ -380,13 +337,7 @@
       </p:sp>
       <p:sp>
         <p:nvSpPr>
-          <p:cNvPr id="3" name="Vertical Text Placeholder 2">
-            <a:extLst>
-              <a:ext uri="{FF2B5EF4-FFF2-40B4-BE49-F238E27FC236}">
-                <a16:creationId xmlns:a16="http://schemas.microsoft.com/office/drawing/2014/main" id="{F4C5B84D-799A-F7C3-F861-4D478FEF3B5B}"/>
-              </a:ext>
-            </a:extLst>
-          </p:cNvPr>
+          <p:cNvPr id="3" name="Vertical Text Placeholder 2"/>
           <p:cNvSpPr>
             <a:spLocks noGrp="1"/>
           </p:cNvSpPr>
@@ -404,6 +355,7 @@
               <a:rPr lang="en-US"/>
               <a:t>Click to edit Master text styles</a:t>
             </a:r>
+            <a:endParaRPr lang="en-US"/>
           </a:p>
           <a:p>
             <a:pPr lvl="1"/>
@@ -411,6 +363,7 @@
               <a:rPr lang="en-US"/>
               <a:t>Second level</a:t>
             </a:r>
+            <a:endParaRPr lang="en-US"/>
           </a:p>
           <a:p>
             <a:pPr lvl="2"/>
@@ -418,6 +371,7 @@
               <a:rPr lang="en-US"/>
               <a:t>Third level</a:t>
             </a:r>
+            <a:endParaRPr lang="en-US"/>
           </a:p>
           <a:p>
             <a:pPr lvl="3"/>
@@ -425,6 +379,7 @@
               <a:rPr lang="en-US"/>
               <a:t>Fourth level</a:t>
             </a:r>
+            <a:endParaRPr lang="en-US"/>
           </a:p>
           <a:p>
             <a:pPr lvl="4"/>
@@ -438,13 +393,7 @@
       </p:sp>
       <p:sp>
         <p:nvSpPr>
-          <p:cNvPr id="4" name="Date Placeholder 3">
-            <a:extLst>
-              <a:ext uri="{FF2B5EF4-FFF2-40B4-BE49-F238E27FC236}">
-                <a16:creationId xmlns:a16="http://schemas.microsoft.com/office/drawing/2014/main" id="{96CC97C8-61BB-E15D-7E47-C8AD5585033D}"/>
-              </a:ext>
-            </a:extLst>
-          </p:cNvPr>
+          <p:cNvPr id="4" name="Date Placeholder 3"/>
           <p:cNvSpPr>
             <a:spLocks noGrp="1"/>
           </p:cNvSpPr>
@@ -459,7 +408,6 @@
           <a:p>
             <a:fld id="{564BBF06-5B1F-4A04-BE25-D940959E4FD8}" type="datetimeFigureOut">
               <a:rPr lang="en-IN" smtClean="0"/>
-              <a:t>05-02-2024</a:t>
             </a:fld>
             <a:endParaRPr lang="en-IN"/>
           </a:p>
@@ -467,13 +415,7 @@
       </p:sp>
       <p:sp>
         <p:nvSpPr>
-          <p:cNvPr id="5" name="Footer Placeholder 4">
-            <a:extLst>
-              <a:ext uri="{FF2B5EF4-FFF2-40B4-BE49-F238E27FC236}">
-                <a16:creationId xmlns:a16="http://schemas.microsoft.com/office/drawing/2014/main" id="{3F723071-B264-AB30-88D6-B61849D3814C}"/>
-              </a:ext>
-            </a:extLst>
-          </p:cNvPr>
+          <p:cNvPr id="5" name="Footer Placeholder 4"/>
           <p:cNvSpPr>
             <a:spLocks noGrp="1"/>
           </p:cNvSpPr>
@@ -492,13 +434,7 @@
       </p:sp>
       <p:sp>
         <p:nvSpPr>
-          <p:cNvPr id="6" name="Slide Number Placeholder 5">
-            <a:extLst>
-              <a:ext uri="{FF2B5EF4-FFF2-40B4-BE49-F238E27FC236}">
-                <a16:creationId xmlns:a16="http://schemas.microsoft.com/office/drawing/2014/main" id="{8D7F26D4-0E89-6507-FFA0-1C03A2248323}"/>
-              </a:ext>
-            </a:extLst>
-          </p:cNvPr>
+          <p:cNvPr id="6" name="Slide Number Placeholder 5"/>
           <p:cNvSpPr>
             <a:spLocks noGrp="1"/>
           </p:cNvSpPr>
@@ -513,18 +449,12 @@
           <a:p>
             <a:fld id="{DDD31034-5206-4DFE-87C2-5154C1E33152}" type="slidenum">
               <a:rPr lang="en-IN" smtClean="0"/>
-              <a:t>‹#›</a:t>
             </a:fld>
             <a:endParaRPr lang="en-IN"/>
           </a:p>
         </p:txBody>
       </p:sp>
     </p:spTree>
-    <p:extLst>
-      <p:ext uri="{BB962C8B-B14F-4D97-AF65-F5344CB8AC3E}">
-        <p14:creationId xmlns:p14="http://schemas.microsoft.com/office/powerpoint/2010/main" val="3429138996"/>
-      </p:ext>
-    </p:extLst>
   </p:cSld>
   <p:clrMapOvr>
     <a:masterClrMapping/>
@@ -551,13 +481,7 @@
       </p:grpSpPr>
       <p:sp>
         <p:nvSpPr>
-          <p:cNvPr id="2" name="Vertical Title 1">
-            <a:extLst>
-              <a:ext uri="{FF2B5EF4-FFF2-40B4-BE49-F238E27FC236}">
-                <a16:creationId xmlns:a16="http://schemas.microsoft.com/office/drawing/2014/main" id="{51BCAD50-42AA-4CFD-9AE7-C4CB45516331}"/>
-              </a:ext>
-            </a:extLst>
-          </p:cNvPr>
+          <p:cNvPr id="2" name="Vertical Title 1"/>
           <p:cNvSpPr>
             <a:spLocks noGrp="1"/>
           </p:cNvSpPr>
@@ -585,13 +509,7 @@
       </p:sp>
       <p:sp>
         <p:nvSpPr>
-          <p:cNvPr id="3" name="Vertical Text Placeholder 2">
-            <a:extLst>
-              <a:ext uri="{FF2B5EF4-FFF2-40B4-BE49-F238E27FC236}">
-                <a16:creationId xmlns:a16="http://schemas.microsoft.com/office/drawing/2014/main" id="{F009F205-A587-C7A9-FE09-2934D8FFE3A3}"/>
-              </a:ext>
-            </a:extLst>
-          </p:cNvPr>
+          <p:cNvPr id="3" name="Vertical Text Placeholder 2"/>
           <p:cNvSpPr>
             <a:spLocks noGrp="1"/>
           </p:cNvSpPr>
@@ -614,6 +532,7 @@
               <a:rPr lang="en-US"/>
               <a:t>Click to edit Master text styles</a:t>
             </a:r>
+            <a:endParaRPr lang="en-US"/>
           </a:p>
           <a:p>
             <a:pPr lvl="1"/>
@@ -621,6 +540,7 @@
               <a:rPr lang="en-US"/>
               <a:t>Second level</a:t>
             </a:r>
+            <a:endParaRPr lang="en-US"/>
           </a:p>
           <a:p>
             <a:pPr lvl="2"/>
@@ -628,6 +548,7 @@
               <a:rPr lang="en-US"/>
               <a:t>Third level</a:t>
             </a:r>
+            <a:endParaRPr lang="en-US"/>
           </a:p>
           <a:p>
             <a:pPr lvl="3"/>
@@ -635,6 +556,7 @@
               <a:rPr lang="en-US"/>
               <a:t>Fourth level</a:t>
             </a:r>
+            <a:endParaRPr lang="en-US"/>
           </a:p>
           <a:p>
             <a:pPr lvl="4"/>
@@ -648,13 +570,7 @@
       </p:sp>
       <p:sp>
         <p:nvSpPr>
-          <p:cNvPr id="4" name="Date Placeholder 3">
-            <a:extLst>
-              <a:ext uri="{FF2B5EF4-FFF2-40B4-BE49-F238E27FC236}">
-                <a16:creationId xmlns:a16="http://schemas.microsoft.com/office/drawing/2014/main" id="{B4A54FC0-85C3-18C6-F2EB-5A0B57BD1453}"/>
-              </a:ext>
-            </a:extLst>
-          </p:cNvPr>
+          <p:cNvPr id="4" name="Date Placeholder 3"/>
           <p:cNvSpPr>
             <a:spLocks noGrp="1"/>
           </p:cNvSpPr>
@@ -669,7 +585,6 @@
           <a:p>
             <a:fld id="{564BBF06-5B1F-4A04-BE25-D940959E4FD8}" type="datetimeFigureOut">
               <a:rPr lang="en-IN" smtClean="0"/>
-              <a:t>05-02-2024</a:t>
             </a:fld>
             <a:endParaRPr lang="en-IN"/>
           </a:p>
@@ -677,13 +592,7 @@
       </p:sp>
       <p:sp>
         <p:nvSpPr>
-          <p:cNvPr id="5" name="Footer Placeholder 4">
-            <a:extLst>
-              <a:ext uri="{FF2B5EF4-FFF2-40B4-BE49-F238E27FC236}">
-                <a16:creationId xmlns:a16="http://schemas.microsoft.com/office/drawing/2014/main" id="{11F6C0E0-D00E-24DA-A087-F3B79AB8A6F0}"/>
-              </a:ext>
-            </a:extLst>
-          </p:cNvPr>
+          <p:cNvPr id="5" name="Footer Placeholder 4"/>
           <p:cNvSpPr>
             <a:spLocks noGrp="1"/>
           </p:cNvSpPr>
@@ -702,13 +611,7 @@
       </p:sp>
       <p:sp>
         <p:nvSpPr>
-          <p:cNvPr id="6" name="Slide Number Placeholder 5">
-            <a:extLst>
-              <a:ext uri="{FF2B5EF4-FFF2-40B4-BE49-F238E27FC236}">
-                <a16:creationId xmlns:a16="http://schemas.microsoft.com/office/drawing/2014/main" id="{12299F84-222D-D9DE-F0CB-5266CDBB09D0}"/>
-              </a:ext>
-            </a:extLst>
-          </p:cNvPr>
+          <p:cNvPr id="6" name="Slide Number Placeholder 5"/>
           <p:cNvSpPr>
             <a:spLocks noGrp="1"/>
           </p:cNvSpPr>
@@ -723,18 +626,12 @@
           <a:p>
             <a:fld id="{DDD31034-5206-4DFE-87C2-5154C1E33152}" type="slidenum">
               <a:rPr lang="en-IN" smtClean="0"/>
-              <a:t>‹#›</a:t>
             </a:fld>
             <a:endParaRPr lang="en-IN"/>
           </a:p>
         </p:txBody>
       </p:sp>
     </p:spTree>
-    <p:extLst>
-      <p:ext uri="{BB962C8B-B14F-4D97-AF65-F5344CB8AC3E}">
-        <p14:creationId xmlns:p14="http://schemas.microsoft.com/office/powerpoint/2010/main" val="3570284812"/>
-      </p:ext>
-    </p:extLst>
   </p:cSld>
   <p:clrMapOvr>
     <a:masterClrMapping/>
@@ -761,13 +658,7 @@
       </p:grpSpPr>
       <p:sp>
         <p:nvSpPr>
-          <p:cNvPr id="2" name="Title 1">
-            <a:extLst>
-              <a:ext uri="{FF2B5EF4-FFF2-40B4-BE49-F238E27FC236}">
-                <a16:creationId xmlns:a16="http://schemas.microsoft.com/office/drawing/2014/main" id="{EE7960EE-C15A-7DAC-49CD-94F4B0151C48}"/>
-              </a:ext>
-            </a:extLst>
-          </p:cNvPr>
+          <p:cNvPr id="2" name="Title 1"/>
           <p:cNvSpPr>
             <a:spLocks noGrp="1"/>
           </p:cNvSpPr>
@@ -790,13 +681,7 @@
       </p:sp>
       <p:sp>
         <p:nvSpPr>
-          <p:cNvPr id="3" name="Content Placeholder 2">
-            <a:extLst>
-              <a:ext uri="{FF2B5EF4-FFF2-40B4-BE49-F238E27FC236}">
-                <a16:creationId xmlns:a16="http://schemas.microsoft.com/office/drawing/2014/main" id="{9611ACAF-8A30-E730-BC2B-6AC57EAB9FB5}"/>
-              </a:ext>
-            </a:extLst>
-          </p:cNvPr>
+          <p:cNvPr id="3" name="Content Placeholder 2"/>
           <p:cNvSpPr>
             <a:spLocks noGrp="1"/>
           </p:cNvSpPr>
@@ -814,6 +699,7 @@
               <a:rPr lang="en-US"/>
               <a:t>Click to edit Master text styles</a:t>
             </a:r>
+            <a:endParaRPr lang="en-US"/>
           </a:p>
           <a:p>
             <a:pPr lvl="1"/>
@@ -821,6 +707,7 @@
               <a:rPr lang="en-US"/>
               <a:t>Second level</a:t>
             </a:r>
+            <a:endParaRPr lang="en-US"/>
           </a:p>
           <a:p>
             <a:pPr lvl="2"/>
@@ -828,6 +715,7 @@
               <a:rPr lang="en-US"/>
               <a:t>Third level</a:t>
             </a:r>
+            <a:endParaRPr lang="en-US"/>
           </a:p>
           <a:p>
             <a:pPr lvl="3"/>
@@ -835,6 +723,7 @@
               <a:rPr lang="en-US"/>
               <a:t>Fourth level</a:t>
             </a:r>
+            <a:endParaRPr lang="en-US"/>
           </a:p>
           <a:p>
             <a:pPr lvl="4"/>
@@ -848,13 +737,7 @@
       </p:sp>
       <p:sp>
         <p:nvSpPr>
-          <p:cNvPr id="4" name="Date Placeholder 3">
-            <a:extLst>
-              <a:ext uri="{FF2B5EF4-FFF2-40B4-BE49-F238E27FC236}">
-                <a16:creationId xmlns:a16="http://schemas.microsoft.com/office/drawing/2014/main" id="{50BA34E1-F737-5E69-0709-41D992133450}"/>
-              </a:ext>
-            </a:extLst>
-          </p:cNvPr>
+          <p:cNvPr id="4" name="Date Placeholder 3"/>
           <p:cNvSpPr>
             <a:spLocks noGrp="1"/>
           </p:cNvSpPr>
@@ -869,7 +752,6 @@
           <a:p>
             <a:fld id="{564BBF06-5B1F-4A04-BE25-D940959E4FD8}" type="datetimeFigureOut">
               <a:rPr lang="en-IN" smtClean="0"/>
-              <a:t>05-02-2024</a:t>
             </a:fld>
             <a:endParaRPr lang="en-IN"/>
           </a:p>
@@ -877,13 +759,7 @@
       </p:sp>
       <p:sp>
         <p:nvSpPr>
-          <p:cNvPr id="5" name="Footer Placeholder 4">
-            <a:extLst>
-              <a:ext uri="{FF2B5EF4-FFF2-40B4-BE49-F238E27FC236}">
-                <a16:creationId xmlns:a16="http://schemas.microsoft.com/office/drawing/2014/main" id="{587E592A-CE8D-4C12-B751-A55336D58791}"/>
-              </a:ext>
-            </a:extLst>
-          </p:cNvPr>
+          <p:cNvPr id="5" name="Footer Placeholder 4"/>
           <p:cNvSpPr>
             <a:spLocks noGrp="1"/>
           </p:cNvSpPr>
@@ -902,13 +778,7 @@
       </p:sp>
       <p:sp>
         <p:nvSpPr>
-          <p:cNvPr id="6" name="Slide Number Placeholder 5">
-            <a:extLst>
-              <a:ext uri="{FF2B5EF4-FFF2-40B4-BE49-F238E27FC236}">
-                <a16:creationId xmlns:a16="http://schemas.microsoft.com/office/drawing/2014/main" id="{285F6FFB-3AE7-F753-1BD8-152346A0EB87}"/>
-              </a:ext>
-            </a:extLst>
-          </p:cNvPr>
+          <p:cNvPr id="6" name="Slide Number Placeholder 5"/>
           <p:cNvSpPr>
             <a:spLocks noGrp="1"/>
           </p:cNvSpPr>
@@ -923,18 +793,12 @@
           <a:p>
             <a:fld id="{DDD31034-5206-4DFE-87C2-5154C1E33152}" type="slidenum">
               <a:rPr lang="en-IN" smtClean="0"/>
-              <a:t>‹#›</a:t>
             </a:fld>
             <a:endParaRPr lang="en-IN"/>
           </a:p>
         </p:txBody>
       </p:sp>
     </p:spTree>
-    <p:extLst>
-      <p:ext uri="{BB962C8B-B14F-4D97-AF65-F5344CB8AC3E}">
-        <p14:creationId xmlns:p14="http://schemas.microsoft.com/office/powerpoint/2010/main" val="2993038651"/>
-      </p:ext>
-    </p:extLst>
   </p:cSld>
   <p:clrMapOvr>
     <a:masterClrMapping/>
@@ -961,13 +825,7 @@
       </p:grpSpPr>
       <p:sp>
         <p:nvSpPr>
-          <p:cNvPr id="2" name="Title 1">
-            <a:extLst>
-              <a:ext uri="{FF2B5EF4-FFF2-40B4-BE49-F238E27FC236}">
-                <a16:creationId xmlns:a16="http://schemas.microsoft.com/office/drawing/2014/main" id="{F5496008-0D20-FD2A-C3C4-CBDF9306AE96}"/>
-              </a:ext>
-            </a:extLst>
-          </p:cNvPr>
+          <p:cNvPr id="2" name="Title 1"/>
           <p:cNvSpPr>
             <a:spLocks noGrp="1"/>
           </p:cNvSpPr>
@@ -999,13 +857,7 @@
       </p:sp>
       <p:sp>
         <p:nvSpPr>
-          <p:cNvPr id="3" name="Text Placeholder 2">
-            <a:extLst>
-              <a:ext uri="{FF2B5EF4-FFF2-40B4-BE49-F238E27FC236}">
-                <a16:creationId xmlns:a16="http://schemas.microsoft.com/office/drawing/2014/main" id="{BF50D0C7-82D8-C21F-9262-FCB8B03FDAA2}"/>
-              </a:ext>
-            </a:extLst>
-          </p:cNvPr>
+          <p:cNvPr id="3" name="Text Placeholder 2"/>
           <p:cNvSpPr>
             <a:spLocks noGrp="1"/>
           </p:cNvSpPr>
@@ -1119,18 +971,13 @@
               <a:rPr lang="en-US"/>
               <a:t>Click to edit Master text styles</a:t>
             </a:r>
-          </a:p>
-        </p:txBody>
-      </p:sp>
-      <p:sp>
-        <p:nvSpPr>
-          <p:cNvPr id="4" name="Date Placeholder 3">
-            <a:extLst>
-              <a:ext uri="{FF2B5EF4-FFF2-40B4-BE49-F238E27FC236}">
-                <a16:creationId xmlns:a16="http://schemas.microsoft.com/office/drawing/2014/main" id="{BB3BDB20-E8E7-FAAF-69BB-189BA346EC01}"/>
-              </a:ext>
-            </a:extLst>
-          </p:cNvPr>
+            <a:endParaRPr lang="en-US"/>
+          </a:p>
+        </p:txBody>
+      </p:sp>
+      <p:sp>
+        <p:nvSpPr>
+          <p:cNvPr id="4" name="Date Placeholder 3"/>
           <p:cNvSpPr>
             <a:spLocks noGrp="1"/>
           </p:cNvSpPr>
@@ -1145,7 +992,6 @@
           <a:p>
             <a:fld id="{564BBF06-5B1F-4A04-BE25-D940959E4FD8}" type="datetimeFigureOut">
               <a:rPr lang="en-IN" smtClean="0"/>
-              <a:t>05-02-2024</a:t>
             </a:fld>
             <a:endParaRPr lang="en-IN"/>
           </a:p>
@@ -1153,13 +999,7 @@
       </p:sp>
       <p:sp>
         <p:nvSpPr>
-          <p:cNvPr id="5" name="Footer Placeholder 4">
-            <a:extLst>
-              <a:ext uri="{FF2B5EF4-FFF2-40B4-BE49-F238E27FC236}">
-                <a16:creationId xmlns:a16="http://schemas.microsoft.com/office/drawing/2014/main" id="{89916C69-61F2-5646-E857-311C404C8866}"/>
-              </a:ext>
-            </a:extLst>
-          </p:cNvPr>
+          <p:cNvPr id="5" name="Footer Placeholder 4"/>
           <p:cNvSpPr>
             <a:spLocks noGrp="1"/>
           </p:cNvSpPr>
@@ -1178,13 +1018,7 @@
       </p:sp>
       <p:sp>
         <p:nvSpPr>
-          <p:cNvPr id="6" name="Slide Number Placeholder 5">
-            <a:extLst>
-              <a:ext uri="{FF2B5EF4-FFF2-40B4-BE49-F238E27FC236}">
-                <a16:creationId xmlns:a16="http://schemas.microsoft.com/office/drawing/2014/main" id="{02625390-A498-077F-65A7-2CCC65A3D52E}"/>
-              </a:ext>
-            </a:extLst>
-          </p:cNvPr>
+          <p:cNvPr id="6" name="Slide Number Placeholder 5"/>
           <p:cNvSpPr>
             <a:spLocks noGrp="1"/>
           </p:cNvSpPr>
@@ -1199,18 +1033,12 @@
           <a:p>
             <a:fld id="{DDD31034-5206-4DFE-87C2-5154C1E33152}" type="slidenum">
               <a:rPr lang="en-IN" smtClean="0"/>
-              <a:t>‹#›</a:t>
             </a:fld>
             <a:endParaRPr lang="en-IN"/>
           </a:p>
         </p:txBody>
       </p:sp>
     </p:spTree>
-    <p:extLst>
-      <p:ext uri="{BB962C8B-B14F-4D97-AF65-F5344CB8AC3E}">
-        <p14:creationId xmlns:p14="http://schemas.microsoft.com/office/powerpoint/2010/main" val="1325450376"/>
-      </p:ext>
-    </p:extLst>
   </p:cSld>
   <p:clrMapOvr>
     <a:masterClrMapping/>
@@ -1237,13 +1065,7 @@
       </p:grpSpPr>
       <p:sp>
         <p:nvSpPr>
-          <p:cNvPr id="2" name="Title 1">
-            <a:extLst>
-              <a:ext uri="{FF2B5EF4-FFF2-40B4-BE49-F238E27FC236}">
-                <a16:creationId xmlns:a16="http://schemas.microsoft.com/office/drawing/2014/main" id="{1CE87BC3-21B0-D792-48A8-0E991F5BE049}"/>
-              </a:ext>
-            </a:extLst>
-          </p:cNvPr>
+          <p:cNvPr id="2" name="Title 1"/>
           <p:cNvSpPr>
             <a:spLocks noGrp="1"/>
           </p:cNvSpPr>
@@ -1266,13 +1088,7 @@
       </p:sp>
       <p:sp>
         <p:nvSpPr>
-          <p:cNvPr id="3" name="Content Placeholder 2">
-            <a:extLst>
-              <a:ext uri="{FF2B5EF4-FFF2-40B4-BE49-F238E27FC236}">
-                <a16:creationId xmlns:a16="http://schemas.microsoft.com/office/drawing/2014/main" id="{BFEBEF35-97A3-9A54-D56E-4AA7BC893F1E}"/>
-              </a:ext>
-            </a:extLst>
-          </p:cNvPr>
+          <p:cNvPr id="3" name="Content Placeholder 2"/>
           <p:cNvSpPr>
             <a:spLocks noGrp="1"/>
           </p:cNvSpPr>
@@ -1295,6 +1111,7 @@
               <a:rPr lang="en-US"/>
               <a:t>Click to edit Master text styles</a:t>
             </a:r>
+            <a:endParaRPr lang="en-US"/>
           </a:p>
           <a:p>
             <a:pPr lvl="1"/>
@@ -1302,6 +1119,7 @@
               <a:rPr lang="en-US"/>
               <a:t>Second level</a:t>
             </a:r>
+            <a:endParaRPr lang="en-US"/>
           </a:p>
           <a:p>
             <a:pPr lvl="2"/>
@@ -1309,6 +1127,7 @@
               <a:rPr lang="en-US"/>
               <a:t>Third level</a:t>
             </a:r>
+            <a:endParaRPr lang="en-US"/>
           </a:p>
           <a:p>
             <a:pPr lvl="3"/>
@@ -1316,6 +1135,7 @@
               <a:rPr lang="en-US"/>
               <a:t>Fourth level</a:t>
             </a:r>
+            <a:endParaRPr lang="en-US"/>
           </a:p>
           <a:p>
             <a:pPr lvl="4"/>
@@ -1329,13 +1149,7 @@
       </p:sp>
       <p:sp>
         <p:nvSpPr>
-          <p:cNvPr id="4" name="Content Placeholder 3">
-            <a:extLst>
-              <a:ext uri="{FF2B5EF4-FFF2-40B4-BE49-F238E27FC236}">
-                <a16:creationId xmlns:a16="http://schemas.microsoft.com/office/drawing/2014/main" id="{655978F7-A075-E405-EFB9-0DE566C58326}"/>
-              </a:ext>
-            </a:extLst>
-          </p:cNvPr>
+          <p:cNvPr id="4" name="Content Placeholder 3"/>
           <p:cNvSpPr>
             <a:spLocks noGrp="1"/>
           </p:cNvSpPr>
@@ -1358,6 +1172,7 @@
               <a:rPr lang="en-US"/>
               <a:t>Click to edit Master text styles</a:t>
             </a:r>
+            <a:endParaRPr lang="en-US"/>
           </a:p>
           <a:p>
             <a:pPr lvl="1"/>
@@ -1365,6 +1180,7 @@
               <a:rPr lang="en-US"/>
               <a:t>Second level</a:t>
             </a:r>
+            <a:endParaRPr lang="en-US"/>
           </a:p>
           <a:p>
             <a:pPr lvl="2"/>
@@ -1372,6 +1188,7 @@
               <a:rPr lang="en-US"/>
               <a:t>Third level</a:t>
             </a:r>
+            <a:endParaRPr lang="en-US"/>
           </a:p>
           <a:p>
             <a:pPr lvl="3"/>
@@ -1379,6 +1196,7 @@
               <a:rPr lang="en-US"/>
               <a:t>Fourth level</a:t>
             </a:r>
+            <a:endParaRPr lang="en-US"/>
           </a:p>
           <a:p>
             <a:pPr lvl="4"/>
@@ -1392,13 +1210,7 @@
       </p:sp>
       <p:sp>
         <p:nvSpPr>
-          <p:cNvPr id="5" name="Date Placeholder 4">
-            <a:extLst>
-              <a:ext uri="{FF2B5EF4-FFF2-40B4-BE49-F238E27FC236}">
-                <a16:creationId xmlns:a16="http://schemas.microsoft.com/office/drawing/2014/main" id="{8BC44E71-D76B-52FA-55D7-66E860EE7FEA}"/>
-              </a:ext>
-            </a:extLst>
-          </p:cNvPr>
+          <p:cNvPr id="5" name="Date Placeholder 4"/>
           <p:cNvSpPr>
             <a:spLocks noGrp="1"/>
           </p:cNvSpPr>
@@ -1413,7 +1225,6 @@
           <a:p>
             <a:fld id="{564BBF06-5B1F-4A04-BE25-D940959E4FD8}" type="datetimeFigureOut">
               <a:rPr lang="en-IN" smtClean="0"/>
-              <a:t>05-02-2024</a:t>
             </a:fld>
             <a:endParaRPr lang="en-IN"/>
           </a:p>
@@ -1421,13 +1232,7 @@
       </p:sp>
       <p:sp>
         <p:nvSpPr>
-          <p:cNvPr id="6" name="Footer Placeholder 5">
-            <a:extLst>
-              <a:ext uri="{FF2B5EF4-FFF2-40B4-BE49-F238E27FC236}">
-                <a16:creationId xmlns:a16="http://schemas.microsoft.com/office/drawing/2014/main" id="{8B350A39-98D2-A25C-FA1C-31975F0142CF}"/>
-              </a:ext>
-            </a:extLst>
-          </p:cNvPr>
+          <p:cNvPr id="6" name="Footer Placeholder 5"/>
           <p:cNvSpPr>
             <a:spLocks noGrp="1"/>
           </p:cNvSpPr>
@@ -1446,13 +1251,7 @@
       </p:sp>
       <p:sp>
         <p:nvSpPr>
-          <p:cNvPr id="7" name="Slide Number Placeholder 6">
-            <a:extLst>
-              <a:ext uri="{FF2B5EF4-FFF2-40B4-BE49-F238E27FC236}">
-                <a16:creationId xmlns:a16="http://schemas.microsoft.com/office/drawing/2014/main" id="{F3D3F41D-796F-97B7-D5AC-8721ECDA274F}"/>
-              </a:ext>
-            </a:extLst>
-          </p:cNvPr>
+          <p:cNvPr id="7" name="Slide Number Placeholder 6"/>
           <p:cNvSpPr>
             <a:spLocks noGrp="1"/>
           </p:cNvSpPr>
@@ -1467,18 +1266,12 @@
           <a:p>
             <a:fld id="{DDD31034-5206-4DFE-87C2-5154C1E33152}" type="slidenum">
               <a:rPr lang="en-IN" smtClean="0"/>
-              <a:t>‹#›</a:t>
             </a:fld>
             <a:endParaRPr lang="en-IN"/>
           </a:p>
         </p:txBody>
       </p:sp>
     </p:spTree>
-    <p:extLst>
-      <p:ext uri="{BB962C8B-B14F-4D97-AF65-F5344CB8AC3E}">
-        <p14:creationId xmlns:p14="http://schemas.microsoft.com/office/powerpoint/2010/main" val="652687254"/>
-      </p:ext>
-    </p:extLst>
   </p:cSld>
   <p:clrMapOvr>
     <a:masterClrMapping/>
@@ -1505,13 +1298,7 @@
       </p:grpSpPr>
       <p:sp>
         <p:nvSpPr>
-          <p:cNvPr id="2" name="Title 1">
-            <a:extLst>
-              <a:ext uri="{FF2B5EF4-FFF2-40B4-BE49-F238E27FC236}">
-                <a16:creationId xmlns:a16="http://schemas.microsoft.com/office/drawing/2014/main" id="{39C1D4BA-8CBE-DA4E-FDFA-64FB65CAAD6B}"/>
-              </a:ext>
-            </a:extLst>
-          </p:cNvPr>
+          <p:cNvPr id="2" name="Title 1"/>
           <p:cNvSpPr>
             <a:spLocks noGrp="1"/>
           </p:cNvSpPr>
@@ -1539,13 +1326,7 @@
       </p:sp>
       <p:sp>
         <p:nvSpPr>
-          <p:cNvPr id="3" name="Text Placeholder 2">
-            <a:extLst>
-              <a:ext uri="{FF2B5EF4-FFF2-40B4-BE49-F238E27FC236}">
-                <a16:creationId xmlns:a16="http://schemas.microsoft.com/office/drawing/2014/main" id="{957F5456-F117-783B-E677-346E1E7DF887}"/>
-              </a:ext>
-            </a:extLst>
-          </p:cNvPr>
+          <p:cNvPr id="3" name="Text Placeholder 2"/>
           <p:cNvSpPr>
             <a:spLocks noGrp="1"/>
           </p:cNvSpPr>
@@ -1605,18 +1386,13 @@
               <a:rPr lang="en-US"/>
               <a:t>Click to edit Master text styles</a:t>
             </a:r>
-          </a:p>
-        </p:txBody>
-      </p:sp>
-      <p:sp>
-        <p:nvSpPr>
-          <p:cNvPr id="4" name="Content Placeholder 3">
-            <a:extLst>
-              <a:ext uri="{FF2B5EF4-FFF2-40B4-BE49-F238E27FC236}">
-                <a16:creationId xmlns:a16="http://schemas.microsoft.com/office/drawing/2014/main" id="{0C1CCE4E-4AFA-EBEB-5007-6A24902637C8}"/>
-              </a:ext>
-            </a:extLst>
-          </p:cNvPr>
+            <a:endParaRPr lang="en-US"/>
+          </a:p>
+        </p:txBody>
+      </p:sp>
+      <p:sp>
+        <p:nvSpPr>
+          <p:cNvPr id="4" name="Content Placeholder 3"/>
           <p:cNvSpPr>
             <a:spLocks noGrp="1"/>
           </p:cNvSpPr>
@@ -1639,6 +1415,7 @@
               <a:rPr lang="en-US"/>
               <a:t>Click to edit Master text styles</a:t>
             </a:r>
+            <a:endParaRPr lang="en-US"/>
           </a:p>
           <a:p>
             <a:pPr lvl="1"/>
@@ -1646,6 +1423,7 @@
               <a:rPr lang="en-US"/>
               <a:t>Second level</a:t>
             </a:r>
+            <a:endParaRPr lang="en-US"/>
           </a:p>
           <a:p>
             <a:pPr lvl="2"/>
@@ -1653,6 +1431,7 @@
               <a:rPr lang="en-US"/>
               <a:t>Third level</a:t>
             </a:r>
+            <a:endParaRPr lang="en-US"/>
           </a:p>
           <a:p>
             <a:pPr lvl="3"/>
@@ -1660,6 +1439,7 @@
               <a:rPr lang="en-US"/>
               <a:t>Fourth level</a:t>
             </a:r>
+            <a:endParaRPr lang="en-US"/>
           </a:p>
           <a:p>
             <a:pPr lvl="4"/>
@@ -1673,13 +1453,7 @@
       </p:sp>
       <p:sp>
         <p:nvSpPr>
-          <p:cNvPr id="5" name="Text Placeholder 4">
-            <a:extLst>
-              <a:ext uri="{FF2B5EF4-FFF2-40B4-BE49-F238E27FC236}">
-                <a16:creationId xmlns:a16="http://schemas.microsoft.com/office/drawing/2014/main" id="{3B2C0D09-DF01-E3B0-B37E-0E2A52BE4E7A}"/>
-              </a:ext>
-            </a:extLst>
-          </p:cNvPr>
+          <p:cNvPr id="5" name="Text Placeholder 4"/>
           <p:cNvSpPr>
             <a:spLocks noGrp="1"/>
           </p:cNvSpPr>
@@ -1739,18 +1513,13 @@
               <a:rPr lang="en-US"/>
               <a:t>Click to edit Master text styles</a:t>
             </a:r>
-          </a:p>
-        </p:txBody>
-      </p:sp>
-      <p:sp>
-        <p:nvSpPr>
-          <p:cNvPr id="6" name="Content Placeholder 5">
-            <a:extLst>
-              <a:ext uri="{FF2B5EF4-FFF2-40B4-BE49-F238E27FC236}">
-                <a16:creationId xmlns:a16="http://schemas.microsoft.com/office/drawing/2014/main" id="{7CC4253B-2877-EDB2-28C9-D6A6EA62AEA7}"/>
-              </a:ext>
-            </a:extLst>
-          </p:cNvPr>
+            <a:endParaRPr lang="en-US"/>
+          </a:p>
+        </p:txBody>
+      </p:sp>
+      <p:sp>
+        <p:nvSpPr>
+          <p:cNvPr id="6" name="Content Placeholder 5"/>
           <p:cNvSpPr>
             <a:spLocks noGrp="1"/>
           </p:cNvSpPr>
@@ -1773,6 +1542,7 @@
               <a:rPr lang="en-US"/>
               <a:t>Click to edit Master text styles</a:t>
             </a:r>
+            <a:endParaRPr lang="en-US"/>
           </a:p>
           <a:p>
             <a:pPr lvl="1"/>
@@ -1780,6 +1550,7 @@
               <a:rPr lang="en-US"/>
               <a:t>Second level</a:t>
             </a:r>
+            <a:endParaRPr lang="en-US"/>
           </a:p>
           <a:p>
             <a:pPr lvl="2"/>
@@ -1787,6 +1558,7 @@
               <a:rPr lang="en-US"/>
               <a:t>Third level</a:t>
             </a:r>
+            <a:endParaRPr lang="en-US"/>
           </a:p>
           <a:p>
             <a:pPr lvl="3"/>
@@ -1794,6 +1566,7 @@
               <a:rPr lang="en-US"/>
               <a:t>Fourth level</a:t>
             </a:r>
+            <a:endParaRPr lang="en-US"/>
           </a:p>
           <a:p>
             <a:pPr lvl="4"/>
@@ -1807,13 +1580,7 @@
       </p:sp>
       <p:sp>
         <p:nvSpPr>
-          <p:cNvPr id="7" name="Date Placeholder 6">
-            <a:extLst>
-              <a:ext uri="{FF2B5EF4-FFF2-40B4-BE49-F238E27FC236}">
-                <a16:creationId xmlns:a16="http://schemas.microsoft.com/office/drawing/2014/main" id="{F1AC84AF-4C25-948B-1BFF-1150EA9A58F6}"/>
-              </a:ext>
-            </a:extLst>
-          </p:cNvPr>
+          <p:cNvPr id="7" name="Date Placeholder 6"/>
           <p:cNvSpPr>
             <a:spLocks noGrp="1"/>
           </p:cNvSpPr>
@@ -1828,7 +1595,6 @@
           <a:p>
             <a:fld id="{564BBF06-5B1F-4A04-BE25-D940959E4FD8}" type="datetimeFigureOut">
               <a:rPr lang="en-IN" smtClean="0"/>
-              <a:t>05-02-2024</a:t>
             </a:fld>
             <a:endParaRPr lang="en-IN"/>
           </a:p>
@@ -1836,13 +1602,7 @@
       </p:sp>
       <p:sp>
         <p:nvSpPr>
-          <p:cNvPr id="8" name="Footer Placeholder 7">
-            <a:extLst>
-              <a:ext uri="{FF2B5EF4-FFF2-40B4-BE49-F238E27FC236}">
-                <a16:creationId xmlns:a16="http://schemas.microsoft.com/office/drawing/2014/main" id="{D03BC4B3-58E6-D80B-652D-6F5DC521AB47}"/>
-              </a:ext>
-            </a:extLst>
-          </p:cNvPr>
+          <p:cNvPr id="8" name="Footer Placeholder 7"/>
           <p:cNvSpPr>
             <a:spLocks noGrp="1"/>
           </p:cNvSpPr>
@@ -1861,13 +1621,7 @@
       </p:sp>
       <p:sp>
         <p:nvSpPr>
-          <p:cNvPr id="9" name="Slide Number Placeholder 8">
-            <a:extLst>
-              <a:ext uri="{FF2B5EF4-FFF2-40B4-BE49-F238E27FC236}">
-                <a16:creationId xmlns:a16="http://schemas.microsoft.com/office/drawing/2014/main" id="{6831C4F0-A357-064A-D523-E347D388808C}"/>
-              </a:ext>
-            </a:extLst>
-          </p:cNvPr>
+          <p:cNvPr id="9" name="Slide Number Placeholder 8"/>
           <p:cNvSpPr>
             <a:spLocks noGrp="1"/>
           </p:cNvSpPr>
@@ -1882,18 +1636,12 @@
           <a:p>
             <a:fld id="{DDD31034-5206-4DFE-87C2-5154C1E33152}" type="slidenum">
               <a:rPr lang="en-IN" smtClean="0"/>
-              <a:t>‹#›</a:t>
             </a:fld>
             <a:endParaRPr lang="en-IN"/>
           </a:p>
         </p:txBody>
       </p:sp>
     </p:spTree>
-    <p:extLst>
-      <p:ext uri="{BB962C8B-B14F-4D97-AF65-F5344CB8AC3E}">
-        <p14:creationId xmlns:p14="http://schemas.microsoft.com/office/powerpoint/2010/main" val="4210699277"/>
-      </p:ext>
-    </p:extLst>
   </p:cSld>
   <p:clrMapOvr>
     <a:masterClrMapping/>
@@ -1920,13 +1668,7 @@
       </p:grpSpPr>
       <p:sp>
         <p:nvSpPr>
-          <p:cNvPr id="2" name="Title 1">
-            <a:extLst>
-              <a:ext uri="{FF2B5EF4-FFF2-40B4-BE49-F238E27FC236}">
-                <a16:creationId xmlns:a16="http://schemas.microsoft.com/office/drawing/2014/main" id="{6A58491F-B784-2EE0-528C-92F1056F4841}"/>
-              </a:ext>
-            </a:extLst>
-          </p:cNvPr>
+          <p:cNvPr id="2" name="Title 1"/>
           <p:cNvSpPr>
             <a:spLocks noGrp="1"/>
           </p:cNvSpPr>
@@ -1949,13 +1691,7 @@
       </p:sp>
       <p:sp>
         <p:nvSpPr>
-          <p:cNvPr id="3" name="Date Placeholder 2">
-            <a:extLst>
-              <a:ext uri="{FF2B5EF4-FFF2-40B4-BE49-F238E27FC236}">
-                <a16:creationId xmlns:a16="http://schemas.microsoft.com/office/drawing/2014/main" id="{857407B4-6E46-8661-D262-D3227F3D1B89}"/>
-              </a:ext>
-            </a:extLst>
-          </p:cNvPr>
+          <p:cNvPr id="3" name="Date Placeholder 2"/>
           <p:cNvSpPr>
             <a:spLocks noGrp="1"/>
           </p:cNvSpPr>
@@ -1970,7 +1706,6 @@
           <a:p>
             <a:fld id="{564BBF06-5B1F-4A04-BE25-D940959E4FD8}" type="datetimeFigureOut">
               <a:rPr lang="en-IN" smtClean="0"/>
-              <a:t>05-02-2024</a:t>
             </a:fld>
             <a:endParaRPr lang="en-IN"/>
           </a:p>
@@ -1978,13 +1713,7 @@
       </p:sp>
       <p:sp>
         <p:nvSpPr>
-          <p:cNvPr id="4" name="Footer Placeholder 3">
-            <a:extLst>
-              <a:ext uri="{FF2B5EF4-FFF2-40B4-BE49-F238E27FC236}">
-                <a16:creationId xmlns:a16="http://schemas.microsoft.com/office/drawing/2014/main" id="{1CCEB6F2-6136-A0C4-7C28-4F5AEA6883C3}"/>
-              </a:ext>
-            </a:extLst>
-          </p:cNvPr>
+          <p:cNvPr id="4" name="Footer Placeholder 3"/>
           <p:cNvSpPr>
             <a:spLocks noGrp="1"/>
           </p:cNvSpPr>
@@ -2003,13 +1732,7 @@
       </p:sp>
       <p:sp>
         <p:nvSpPr>
-          <p:cNvPr id="5" name="Slide Number Placeholder 4">
-            <a:extLst>
-              <a:ext uri="{FF2B5EF4-FFF2-40B4-BE49-F238E27FC236}">
-                <a16:creationId xmlns:a16="http://schemas.microsoft.com/office/drawing/2014/main" id="{54FA9D16-E460-5BBB-52FD-6C7924DE5652}"/>
-              </a:ext>
-            </a:extLst>
-          </p:cNvPr>
+          <p:cNvPr id="5" name="Slide Number Placeholder 4"/>
           <p:cNvSpPr>
             <a:spLocks noGrp="1"/>
           </p:cNvSpPr>
@@ -2024,18 +1747,12 @@
           <a:p>
             <a:fld id="{DDD31034-5206-4DFE-87C2-5154C1E33152}" type="slidenum">
               <a:rPr lang="en-IN" smtClean="0"/>
-              <a:t>‹#›</a:t>
             </a:fld>
             <a:endParaRPr lang="en-IN"/>
           </a:p>
         </p:txBody>
       </p:sp>
     </p:spTree>
-    <p:extLst>
-      <p:ext uri="{BB962C8B-B14F-4D97-AF65-F5344CB8AC3E}">
-        <p14:creationId xmlns:p14="http://schemas.microsoft.com/office/powerpoint/2010/main" val="2531966547"/>
-      </p:ext>
-    </p:extLst>
   </p:cSld>
   <p:clrMapOvr>
     <a:masterClrMapping/>
@@ -2062,13 +1779,7 @@
       </p:grpSpPr>
       <p:sp>
         <p:nvSpPr>
-          <p:cNvPr id="2" name="Date Placeholder 1">
-            <a:extLst>
-              <a:ext uri="{FF2B5EF4-FFF2-40B4-BE49-F238E27FC236}">
-                <a16:creationId xmlns:a16="http://schemas.microsoft.com/office/drawing/2014/main" id="{BD698392-FC15-E1AC-8280-51A8DE43843C}"/>
-              </a:ext>
-            </a:extLst>
-          </p:cNvPr>
+          <p:cNvPr id="2" name="Date Placeholder 1"/>
           <p:cNvSpPr>
             <a:spLocks noGrp="1"/>
           </p:cNvSpPr>
@@ -2083,7 +1794,6 @@
           <a:p>
             <a:fld id="{564BBF06-5B1F-4A04-BE25-D940959E4FD8}" type="datetimeFigureOut">
               <a:rPr lang="en-IN" smtClean="0"/>
-              <a:t>05-02-2024</a:t>
             </a:fld>
             <a:endParaRPr lang="en-IN"/>
           </a:p>
@@ -2091,13 +1801,7 @@
       </p:sp>
       <p:sp>
         <p:nvSpPr>
-          <p:cNvPr id="3" name="Footer Placeholder 2">
-            <a:extLst>
-              <a:ext uri="{FF2B5EF4-FFF2-40B4-BE49-F238E27FC236}">
-                <a16:creationId xmlns:a16="http://schemas.microsoft.com/office/drawing/2014/main" id="{C08BABD9-6E1A-1F28-213B-859A5EA8B39E}"/>
-              </a:ext>
-            </a:extLst>
-          </p:cNvPr>
+          <p:cNvPr id="3" name="Footer Placeholder 2"/>
           <p:cNvSpPr>
             <a:spLocks noGrp="1"/>
           </p:cNvSpPr>
@@ -2116,13 +1820,7 @@
       </p:sp>
       <p:sp>
         <p:nvSpPr>
-          <p:cNvPr id="4" name="Slide Number Placeholder 3">
-            <a:extLst>
-              <a:ext uri="{FF2B5EF4-FFF2-40B4-BE49-F238E27FC236}">
-                <a16:creationId xmlns:a16="http://schemas.microsoft.com/office/drawing/2014/main" id="{C6EF9D00-E9B1-4352-EAF7-52764454CA95}"/>
-              </a:ext>
-            </a:extLst>
-          </p:cNvPr>
+          <p:cNvPr id="4" name="Slide Number Placeholder 3"/>
           <p:cNvSpPr>
             <a:spLocks noGrp="1"/>
           </p:cNvSpPr>
@@ -2137,18 +1835,12 @@
           <a:p>
             <a:fld id="{DDD31034-5206-4DFE-87C2-5154C1E33152}" type="slidenum">
               <a:rPr lang="en-IN" smtClean="0"/>
-              <a:t>‹#›</a:t>
             </a:fld>
             <a:endParaRPr lang="en-IN"/>
           </a:p>
         </p:txBody>
       </p:sp>
     </p:spTree>
-    <p:extLst>
-      <p:ext uri="{BB962C8B-B14F-4D97-AF65-F5344CB8AC3E}">
-        <p14:creationId xmlns:p14="http://schemas.microsoft.com/office/powerpoint/2010/main" val="1508017603"/>
-      </p:ext>
-    </p:extLst>
   </p:cSld>
   <p:clrMapOvr>
     <a:masterClrMapping/>
@@ -2175,13 +1867,7 @@
       </p:grpSpPr>
       <p:sp>
         <p:nvSpPr>
-          <p:cNvPr id="2" name="Title 1">
-            <a:extLst>
-              <a:ext uri="{FF2B5EF4-FFF2-40B4-BE49-F238E27FC236}">
-                <a16:creationId xmlns:a16="http://schemas.microsoft.com/office/drawing/2014/main" id="{AC8E1F5F-34D6-51DB-08FD-C1955AA9208A}"/>
-              </a:ext>
-            </a:extLst>
-          </p:cNvPr>
+          <p:cNvPr id="2" name="Title 1"/>
           <p:cNvSpPr>
             <a:spLocks noGrp="1"/>
           </p:cNvSpPr>
@@ -2213,13 +1899,7 @@
       </p:sp>
       <p:sp>
         <p:nvSpPr>
-          <p:cNvPr id="3" name="Content Placeholder 2">
-            <a:extLst>
-              <a:ext uri="{FF2B5EF4-FFF2-40B4-BE49-F238E27FC236}">
-                <a16:creationId xmlns:a16="http://schemas.microsoft.com/office/drawing/2014/main" id="{55818A44-437F-C06D-63BA-6ED8230A2F56}"/>
-              </a:ext>
-            </a:extLst>
-          </p:cNvPr>
+          <p:cNvPr id="3" name="Content Placeholder 2"/>
           <p:cNvSpPr>
             <a:spLocks noGrp="1"/>
           </p:cNvSpPr>
@@ -2270,6 +1950,7 @@
               <a:rPr lang="en-US"/>
               <a:t>Click to edit Master text styles</a:t>
             </a:r>
+            <a:endParaRPr lang="en-US"/>
           </a:p>
           <a:p>
             <a:pPr lvl="1"/>
@@ -2277,6 +1958,7 @@
               <a:rPr lang="en-US"/>
               <a:t>Second level</a:t>
             </a:r>
+            <a:endParaRPr lang="en-US"/>
           </a:p>
           <a:p>
             <a:pPr lvl="2"/>
@@ -2284,6 +1966,7 @@
               <a:rPr lang="en-US"/>
               <a:t>Third level</a:t>
             </a:r>
+            <a:endParaRPr lang="en-US"/>
           </a:p>
           <a:p>
             <a:pPr lvl="3"/>
@@ -2291,6 +1974,7 @@
               <a:rPr lang="en-US"/>
               <a:t>Fourth level</a:t>
             </a:r>
+            <a:endParaRPr lang="en-US"/>
           </a:p>
           <a:p>
             <a:pPr lvl="4"/>
@@ -2304,13 +1988,7 @@
       </p:sp>
       <p:sp>
         <p:nvSpPr>
-          <p:cNvPr id="4" name="Text Placeholder 3">
-            <a:extLst>
-              <a:ext uri="{FF2B5EF4-FFF2-40B4-BE49-F238E27FC236}">
-                <a16:creationId xmlns:a16="http://schemas.microsoft.com/office/drawing/2014/main" id="{B4703A2A-96FE-AE70-8D4A-593F676F6530}"/>
-              </a:ext>
-            </a:extLst>
-          </p:cNvPr>
+          <p:cNvPr id="4" name="Text Placeholder 3"/>
           <p:cNvSpPr>
             <a:spLocks noGrp="1"/>
           </p:cNvSpPr>
@@ -2370,18 +2048,13 @@
               <a:rPr lang="en-US"/>
               <a:t>Click to edit Master text styles</a:t>
             </a:r>
-          </a:p>
-        </p:txBody>
-      </p:sp>
-      <p:sp>
-        <p:nvSpPr>
-          <p:cNvPr id="5" name="Date Placeholder 4">
-            <a:extLst>
-              <a:ext uri="{FF2B5EF4-FFF2-40B4-BE49-F238E27FC236}">
-                <a16:creationId xmlns:a16="http://schemas.microsoft.com/office/drawing/2014/main" id="{B536ADFE-2DC9-E549-6850-377C6D15E170}"/>
-              </a:ext>
-            </a:extLst>
-          </p:cNvPr>
+            <a:endParaRPr lang="en-US"/>
+          </a:p>
+        </p:txBody>
+      </p:sp>
+      <p:sp>
+        <p:nvSpPr>
+          <p:cNvPr id="5" name="Date Placeholder 4"/>
           <p:cNvSpPr>
             <a:spLocks noGrp="1"/>
           </p:cNvSpPr>
@@ -2396,7 +2069,6 @@
           <a:p>
             <a:fld id="{564BBF06-5B1F-4A04-BE25-D940959E4FD8}" type="datetimeFigureOut">
               <a:rPr lang="en-IN" smtClean="0"/>
-              <a:t>05-02-2024</a:t>
             </a:fld>
             <a:endParaRPr lang="en-IN"/>
           </a:p>
@@ -2404,13 +2076,7 @@
       </p:sp>
       <p:sp>
         <p:nvSpPr>
-          <p:cNvPr id="6" name="Footer Placeholder 5">
-            <a:extLst>
-              <a:ext uri="{FF2B5EF4-FFF2-40B4-BE49-F238E27FC236}">
-                <a16:creationId xmlns:a16="http://schemas.microsoft.com/office/drawing/2014/main" id="{FF3DE900-BAC6-9AFC-EC33-8E50DD6EB86E}"/>
-              </a:ext>
-            </a:extLst>
-          </p:cNvPr>
+          <p:cNvPr id="6" name="Footer Placeholder 5"/>
           <p:cNvSpPr>
             <a:spLocks noGrp="1"/>
           </p:cNvSpPr>
@@ -2429,13 +2095,7 @@
       </p:sp>
       <p:sp>
         <p:nvSpPr>
-          <p:cNvPr id="7" name="Slide Number Placeholder 6">
-            <a:extLst>
-              <a:ext uri="{FF2B5EF4-FFF2-40B4-BE49-F238E27FC236}">
-                <a16:creationId xmlns:a16="http://schemas.microsoft.com/office/drawing/2014/main" id="{CC951F0C-5E06-4228-D251-E5C75F8DEFD7}"/>
-              </a:ext>
-            </a:extLst>
-          </p:cNvPr>
+          <p:cNvPr id="7" name="Slide Number Placeholder 6"/>
           <p:cNvSpPr>
             <a:spLocks noGrp="1"/>
           </p:cNvSpPr>
@@ -2450,18 +2110,12 @@
           <a:p>
             <a:fld id="{DDD31034-5206-4DFE-87C2-5154C1E33152}" type="slidenum">
               <a:rPr lang="en-IN" smtClean="0"/>
-              <a:t>‹#›</a:t>
             </a:fld>
             <a:endParaRPr lang="en-IN"/>
           </a:p>
         </p:txBody>
       </p:sp>
     </p:spTree>
-    <p:extLst>
-      <p:ext uri="{BB962C8B-B14F-4D97-AF65-F5344CB8AC3E}">
-        <p14:creationId xmlns:p14="http://schemas.microsoft.com/office/powerpoint/2010/main" val="294697112"/>
-      </p:ext>
-    </p:extLst>
   </p:cSld>
   <p:clrMapOvr>
     <a:masterClrMapping/>
@@ -2488,13 +2142,7 @@
       </p:grpSpPr>
       <p:sp>
         <p:nvSpPr>
-          <p:cNvPr id="2" name="Title 1">
-            <a:extLst>
-              <a:ext uri="{FF2B5EF4-FFF2-40B4-BE49-F238E27FC236}">
-                <a16:creationId xmlns:a16="http://schemas.microsoft.com/office/drawing/2014/main" id="{DE958C52-6AFA-823F-FD58-831EB419752D}"/>
-              </a:ext>
-            </a:extLst>
-          </p:cNvPr>
+          <p:cNvPr id="2" name="Title 1"/>
           <p:cNvSpPr>
             <a:spLocks noGrp="1"/>
           </p:cNvSpPr>
@@ -2526,13 +2174,7 @@
       </p:sp>
       <p:sp>
         <p:nvSpPr>
-          <p:cNvPr id="3" name="Picture Placeholder 2">
-            <a:extLst>
-              <a:ext uri="{FF2B5EF4-FFF2-40B4-BE49-F238E27FC236}">
-                <a16:creationId xmlns:a16="http://schemas.microsoft.com/office/drawing/2014/main" id="{3FB734DC-9626-1C72-E920-8A72743898A7}"/>
-              </a:ext>
-            </a:extLst>
-          </p:cNvPr>
+          <p:cNvPr id="3" name="Picture Placeholder 2"/>
           <p:cNvSpPr>
             <a:spLocks noGrp="1"/>
           </p:cNvSpPr>
@@ -2593,13 +2235,7 @@
       </p:sp>
       <p:sp>
         <p:nvSpPr>
-          <p:cNvPr id="4" name="Text Placeholder 3">
-            <a:extLst>
-              <a:ext uri="{FF2B5EF4-FFF2-40B4-BE49-F238E27FC236}">
-                <a16:creationId xmlns:a16="http://schemas.microsoft.com/office/drawing/2014/main" id="{0DAEE5DC-CC4E-8D79-4BC5-A79CC0ACBBBB}"/>
-              </a:ext>
-            </a:extLst>
-          </p:cNvPr>
+          <p:cNvPr id="4" name="Text Placeholder 3"/>
           <p:cNvSpPr>
             <a:spLocks noGrp="1"/>
           </p:cNvSpPr>
@@ -2659,18 +2295,13 @@
               <a:rPr lang="en-US"/>
               <a:t>Click to edit Master text styles</a:t>
             </a:r>
-          </a:p>
-        </p:txBody>
-      </p:sp>
-      <p:sp>
-        <p:nvSpPr>
-          <p:cNvPr id="5" name="Date Placeholder 4">
-            <a:extLst>
-              <a:ext uri="{FF2B5EF4-FFF2-40B4-BE49-F238E27FC236}">
-                <a16:creationId xmlns:a16="http://schemas.microsoft.com/office/drawing/2014/main" id="{46CF4119-53F5-F32B-9C9E-5006D56CF6A9}"/>
-              </a:ext>
-            </a:extLst>
-          </p:cNvPr>
+            <a:endParaRPr lang="en-US"/>
+          </a:p>
+        </p:txBody>
+      </p:sp>
+      <p:sp>
+        <p:nvSpPr>
+          <p:cNvPr id="5" name="Date Placeholder 4"/>
           <p:cNvSpPr>
             <a:spLocks noGrp="1"/>
           </p:cNvSpPr>
@@ -2685,7 +2316,6 @@
           <a:p>
             <a:fld id="{564BBF06-5B1F-4A04-BE25-D940959E4FD8}" type="datetimeFigureOut">
               <a:rPr lang="en-IN" smtClean="0"/>
-              <a:t>05-02-2024</a:t>
             </a:fld>
             <a:endParaRPr lang="en-IN"/>
           </a:p>
@@ -2693,13 +2323,7 @@
       </p:sp>
       <p:sp>
         <p:nvSpPr>
-          <p:cNvPr id="6" name="Footer Placeholder 5">
-            <a:extLst>
-              <a:ext uri="{FF2B5EF4-FFF2-40B4-BE49-F238E27FC236}">
-                <a16:creationId xmlns:a16="http://schemas.microsoft.com/office/drawing/2014/main" id="{D736005E-E588-ECA4-2937-03ED838F1296}"/>
-              </a:ext>
-            </a:extLst>
-          </p:cNvPr>
+          <p:cNvPr id="6" name="Footer Placeholder 5"/>
           <p:cNvSpPr>
             <a:spLocks noGrp="1"/>
           </p:cNvSpPr>
@@ -2718,13 +2342,7 @@
       </p:sp>
       <p:sp>
         <p:nvSpPr>
-          <p:cNvPr id="7" name="Slide Number Placeholder 6">
-            <a:extLst>
-              <a:ext uri="{FF2B5EF4-FFF2-40B4-BE49-F238E27FC236}">
-                <a16:creationId xmlns:a16="http://schemas.microsoft.com/office/drawing/2014/main" id="{EF4C7FA9-BE73-BC87-DC63-9D24158A06E2}"/>
-              </a:ext>
-            </a:extLst>
-          </p:cNvPr>
+          <p:cNvPr id="7" name="Slide Number Placeholder 6"/>
           <p:cNvSpPr>
             <a:spLocks noGrp="1"/>
           </p:cNvSpPr>
@@ -2739,18 +2357,12 @@
           <a:p>
             <a:fld id="{DDD31034-5206-4DFE-87C2-5154C1E33152}" type="slidenum">
               <a:rPr lang="en-IN" smtClean="0"/>
-              <a:t>‹#›</a:t>
             </a:fld>
             <a:endParaRPr lang="en-IN"/>
           </a:p>
         </p:txBody>
       </p:sp>
     </p:spTree>
-    <p:extLst>
-      <p:ext uri="{BB962C8B-B14F-4D97-AF65-F5344CB8AC3E}">
-        <p14:creationId xmlns:p14="http://schemas.microsoft.com/office/powerpoint/2010/main" val="897457295"/>
-      </p:ext>
-    </p:extLst>
   </p:cSld>
   <p:clrMapOvr>
     <a:masterClrMapping/>
@@ -2782,13 +2394,7 @@
       </p:grpSpPr>
       <p:sp>
         <p:nvSpPr>
-          <p:cNvPr id="2" name="Title Placeholder 1">
-            <a:extLst>
-              <a:ext uri="{FF2B5EF4-FFF2-40B4-BE49-F238E27FC236}">
-                <a16:creationId xmlns:a16="http://schemas.microsoft.com/office/drawing/2014/main" id="{EDD36908-ABB1-18B4-7FF7-010C5FB6E487}"/>
-              </a:ext>
-            </a:extLst>
-          </p:cNvPr>
+          <p:cNvPr id="2" name="Title Placeholder 1"/>
           <p:cNvSpPr>
             <a:spLocks noGrp="1"/>
           </p:cNvSpPr>
@@ -2821,13 +2427,7 @@
       </p:sp>
       <p:sp>
         <p:nvSpPr>
-          <p:cNvPr id="3" name="Text Placeholder 2">
-            <a:extLst>
-              <a:ext uri="{FF2B5EF4-FFF2-40B4-BE49-F238E27FC236}">
-                <a16:creationId xmlns:a16="http://schemas.microsoft.com/office/drawing/2014/main" id="{90CECA94-3BD1-93E4-C144-A622905BF782}"/>
-              </a:ext>
-            </a:extLst>
-          </p:cNvPr>
+          <p:cNvPr id="3" name="Text Placeholder 2"/>
           <p:cNvSpPr>
             <a:spLocks noGrp="1"/>
           </p:cNvSpPr>
@@ -2855,6 +2455,7 @@
               <a:rPr lang="en-US"/>
               <a:t>Click to edit Master text styles</a:t>
             </a:r>
+            <a:endParaRPr lang="en-US"/>
           </a:p>
           <a:p>
             <a:pPr lvl="1"/>
@@ -2862,6 +2463,7 @@
               <a:rPr lang="en-US"/>
               <a:t>Second level</a:t>
             </a:r>
+            <a:endParaRPr lang="en-US"/>
           </a:p>
           <a:p>
             <a:pPr lvl="2"/>
@@ -2869,6 +2471,7 @@
               <a:rPr lang="en-US"/>
               <a:t>Third level</a:t>
             </a:r>
+            <a:endParaRPr lang="en-US"/>
           </a:p>
           <a:p>
             <a:pPr lvl="3"/>
@@ -2876,6 +2479,7 @@
               <a:rPr lang="en-US"/>
               <a:t>Fourth level</a:t>
             </a:r>
+            <a:endParaRPr lang="en-US"/>
           </a:p>
           <a:p>
             <a:pPr lvl="4"/>
@@ -2889,13 +2493,7 @@
       </p:sp>
       <p:sp>
         <p:nvSpPr>
-          <p:cNvPr id="4" name="Date Placeholder 3">
-            <a:extLst>
-              <a:ext uri="{FF2B5EF4-FFF2-40B4-BE49-F238E27FC236}">
-                <a16:creationId xmlns:a16="http://schemas.microsoft.com/office/drawing/2014/main" id="{2FBC1D1D-3198-0F86-2FBC-5354B0E84526}"/>
-              </a:ext>
-            </a:extLst>
-          </p:cNvPr>
+          <p:cNvPr id="4" name="Date Placeholder 3"/>
           <p:cNvSpPr>
             <a:spLocks noGrp="1"/>
           </p:cNvSpPr>
@@ -2928,7 +2526,6 @@
           <a:p>
             <a:fld id="{564BBF06-5B1F-4A04-BE25-D940959E4FD8}" type="datetimeFigureOut">
               <a:rPr lang="en-IN" smtClean="0"/>
-              <a:t>05-02-2024</a:t>
             </a:fld>
             <a:endParaRPr lang="en-IN"/>
           </a:p>
@@ -2936,13 +2533,7 @@
       </p:sp>
       <p:sp>
         <p:nvSpPr>
-          <p:cNvPr id="5" name="Footer Placeholder 4">
-            <a:extLst>
-              <a:ext uri="{FF2B5EF4-FFF2-40B4-BE49-F238E27FC236}">
-                <a16:creationId xmlns:a16="http://schemas.microsoft.com/office/drawing/2014/main" id="{67B1F22F-5451-EF49-0B1E-EB81629E38E1}"/>
-              </a:ext>
-            </a:extLst>
-          </p:cNvPr>
+          <p:cNvPr id="5" name="Footer Placeholder 4"/>
           <p:cNvSpPr>
             <a:spLocks noGrp="1"/>
           </p:cNvSpPr>
@@ -2979,13 +2570,7 @@
       </p:sp>
       <p:sp>
         <p:nvSpPr>
-          <p:cNvPr id="6" name="Slide Number Placeholder 5">
-            <a:extLst>
-              <a:ext uri="{FF2B5EF4-FFF2-40B4-BE49-F238E27FC236}">
-                <a16:creationId xmlns:a16="http://schemas.microsoft.com/office/drawing/2014/main" id="{6E27776F-9D5A-14BB-B981-C0AC22DF6879}"/>
-              </a:ext>
-            </a:extLst>
-          </p:cNvPr>
+          <p:cNvPr id="6" name="Slide Number Placeholder 5"/>
           <p:cNvSpPr>
             <a:spLocks noGrp="1"/>
           </p:cNvSpPr>
@@ -3018,18 +2603,12 @@
           <a:p>
             <a:fld id="{DDD31034-5206-4DFE-87C2-5154C1E33152}" type="slidenum">
               <a:rPr lang="en-IN" smtClean="0"/>
-              <a:t>‹#›</a:t>
             </a:fld>
             <a:endParaRPr lang="en-IN"/>
           </a:p>
         </p:txBody>
       </p:sp>
     </p:spTree>
-    <p:extLst>
-      <p:ext uri="{BB962C8B-B14F-4D97-AF65-F5344CB8AC3E}">
-        <p14:creationId xmlns:p14="http://schemas.microsoft.com/office/powerpoint/2010/main" val="2207695285"/>
-      </p:ext>
-    </p:extLst>
   </p:cSld>
   <p:clrMap bg1="lt1" tx1="dk1" bg2="lt2" tx2="dk2" accent1="accent1" accent2="accent2" accent3="accent3" accent4="accent4" accent5="accent5" accent6="accent6" hlink="hlink" folHlink="folHlink"/>
   <p:sldLayoutIdLst>
@@ -3331,6 +2910,53 @@
 <file path=ppt/slides/slide1.xml><?xml version="1.0" encoding="utf-8"?>
 <p:sld xmlns:a="http://schemas.openxmlformats.org/drawingml/2006/main" xmlns:r="http://schemas.openxmlformats.org/officeDocument/2006/relationships" xmlns:p="http://schemas.openxmlformats.org/presentationml/2006/main">
   <p:cSld>
+    <p:spTree>
+      <p:nvGrpSpPr>
+        <p:cNvPr id="1" name=""/>
+        <p:cNvGrpSpPr/>
+        <p:nvPr/>
+      </p:nvGrpSpPr>
+      <p:grpSpPr/>
+      <p:sp>
+        <p:nvSpPr>
+          <p:cNvPr id="4" name="Text Box 3"/>
+          <p:cNvSpPr txBox="1"/>
+          <p:nvPr/>
+        </p:nvSpPr>
+        <p:spPr>
+          <a:xfrm>
+            <a:off x="3009900" y="1510665"/>
+            <a:ext cx="4064000" cy="368300"/>
+          </a:xfrm>
+          <a:prstGeom prst="rect">
+            <a:avLst/>
+          </a:prstGeom>
+          <a:noFill/>
+        </p:spPr>
+        <p:txBody>
+          <a:bodyPr wrap="square" rtlCol="0">
+            <a:spAutoFit/>
+          </a:bodyPr>
+          <a:p>
+            <a:r>
+              <a:rPr lang="en-US"/>
+              <a:t>Electric car Dashboard</a:t>
+            </a:r>
+            <a:endParaRPr lang="en-US"/>
+          </a:p>
+        </p:txBody>
+      </p:sp>
+    </p:spTree>
+  </p:cSld>
+  <p:clrMapOvr>
+    <a:masterClrMapping/>
+  </p:clrMapOvr>
+</p:sld>
+</file>
+
+<file path=ppt/slides/slide2.xml><?xml version="1.0" encoding="utf-8"?>
+<p:sld xmlns:a="http://schemas.openxmlformats.org/drawingml/2006/main" xmlns:r="http://schemas.openxmlformats.org/officeDocument/2006/relationships" xmlns:p="http://schemas.openxmlformats.org/presentationml/2006/main">
+  <p:cSld>
     <p:bg>
       <p:bgPr>
         <a:solidFill>
@@ -3355,20 +2981,14 @@
       </p:grpSpPr>
       <p:pic>
         <p:nvPicPr>
-          <p:cNvPr id="5" name="Picture 4">
-            <a:extLst>
-              <a:ext uri="{FF2B5EF4-FFF2-40B4-BE49-F238E27FC236}">
-                <a16:creationId xmlns:a16="http://schemas.microsoft.com/office/drawing/2014/main" id="{93578D6C-C8F3-D2B3-404A-4896A51185E6}"/>
-              </a:ext>
-            </a:extLst>
-          </p:cNvPr>
+          <p:cNvPr id="5" name="Picture 4"/>
           <p:cNvPicPr>
             <a:picLocks noChangeAspect="1"/>
           </p:cNvPicPr>
           <p:nvPr/>
         </p:nvPicPr>
         <p:blipFill>
-          <a:blip r:embed="rId2">
+          <a:blip r:embed="rId1">
             <a:alphaModFix amt="5000"/>
           </a:blip>
           <a:stretch>
@@ -3387,13 +3007,7 @@
       </p:pic>
       <p:sp>
         <p:nvSpPr>
-          <p:cNvPr id="6" name="TextBox 5">
-            <a:extLst>
-              <a:ext uri="{FF2B5EF4-FFF2-40B4-BE49-F238E27FC236}">
-                <a16:creationId xmlns:a16="http://schemas.microsoft.com/office/drawing/2014/main" id="{3DB93F7E-BF3E-DCC2-2A9E-7A3B3B739EC5}"/>
-              </a:ext>
-            </a:extLst>
-          </p:cNvPr>
+          <p:cNvPr id="6" name="TextBox 5"/>
           <p:cNvSpPr txBox="1"/>
           <p:nvPr/>
         </p:nvSpPr>
@@ -3421,18 +3035,17 @@
               </a:rPr>
               <a:t>PROBLEM STATEMENT</a:t>
             </a:r>
-          </a:p>
-        </p:txBody>
-      </p:sp>
-      <p:sp>
-        <p:nvSpPr>
-          <p:cNvPr id="7" name="TextBox 6">
-            <a:extLst>
-              <a:ext uri="{FF2B5EF4-FFF2-40B4-BE49-F238E27FC236}">
-                <a16:creationId xmlns:a16="http://schemas.microsoft.com/office/drawing/2014/main" id="{E327EDE4-94B9-15A6-08BE-DF493C9D16D3}"/>
-              </a:ext>
-            </a:extLst>
-          </p:cNvPr>
+            <a:endParaRPr lang="en-IN" sz="4000" b="1" dirty="0">
+              <a:solidFill>
+                <a:schemeClr val="bg1"/>
+              </a:solidFill>
+            </a:endParaRPr>
+          </a:p>
+        </p:txBody>
+      </p:sp>
+      <p:sp>
+        <p:nvSpPr>
+          <p:cNvPr id="7" name="TextBox 6"/>
           <p:cNvSpPr txBox="1"/>
           <p:nvPr/>
         </p:nvSpPr>
@@ -3460,18 +3073,17 @@
               </a:rPr>
               <a:t>KPI’S Requirement</a:t>
             </a:r>
-          </a:p>
-        </p:txBody>
-      </p:sp>
-      <p:sp>
-        <p:nvSpPr>
-          <p:cNvPr id="8" name="TextBox 7">
-            <a:extLst>
-              <a:ext uri="{FF2B5EF4-FFF2-40B4-BE49-F238E27FC236}">
-                <a16:creationId xmlns:a16="http://schemas.microsoft.com/office/drawing/2014/main" id="{BCC7D991-9DF6-7A33-E18C-90E1E77EAC21}"/>
-              </a:ext>
-            </a:extLst>
-          </p:cNvPr>
+            <a:endParaRPr lang="en-IN" sz="2000" b="1" dirty="0">
+              <a:solidFill>
+                <a:srgbClr val="FFC000"/>
+              </a:solidFill>
+            </a:endParaRPr>
+          </a:p>
+        </p:txBody>
+      </p:sp>
+      <p:sp>
+        <p:nvSpPr>
+          <p:cNvPr id="8" name="TextBox 7"/>
           <p:cNvSpPr txBox="1"/>
           <p:nvPr/>
         </p:nvSpPr>
@@ -3537,6 +3149,12 @@
               </a:rPr>
               <a:t>Understand the overall landscape of electric vehicles, encompassing both BEVs and PHEVs, to assess the market's size and growth.</a:t>
             </a:r>
+            <a:endParaRPr lang="en-US" b="0" i="0" dirty="0">
+              <a:solidFill>
+                <a:schemeClr val="bg1"/>
+              </a:solidFill>
+              <a:effectLst/>
+            </a:endParaRPr>
           </a:p>
           <a:p>
             <a:pPr>
@@ -3555,6 +3173,14 @@
               </a:rPr>
               <a:t>2. Average Electric Range:</a:t>
             </a:r>
+            <a:endParaRPr lang="en-US" b="1" dirty="0">
+              <a:solidFill>
+                <a:schemeClr val="accent6">
+                  <a:lumMod val="60000"/>
+                  <a:lumOff val="40000"/>
+                </a:schemeClr>
+              </a:solidFill>
+            </a:endParaRPr>
           </a:p>
           <a:p>
             <a:pPr marL="742950" lvl="1" indent="-285750" algn="l">
@@ -3573,6 +3199,12 @@
               </a:rPr>
               <a:t>Determine the average electric range of the electric vehicles in the dataset to gauge the technological advancements and efficiency of the EVs.</a:t>
             </a:r>
+            <a:endParaRPr lang="en-US" b="0" i="0" dirty="0">
+              <a:solidFill>
+                <a:schemeClr val="bg1"/>
+              </a:solidFill>
+              <a:effectLst/>
+            </a:endParaRPr>
           </a:p>
           <a:p>
             <a:pPr algn="l">
@@ -3591,6 +3223,14 @@
               </a:rPr>
               <a:t>3. Total BEV Vehicles and % of Total BEV Vehicles:</a:t>
             </a:r>
+            <a:endParaRPr lang="en-US" b="1" dirty="0">
+              <a:solidFill>
+                <a:schemeClr val="accent6">
+                  <a:lumMod val="60000"/>
+                  <a:lumOff val="40000"/>
+                </a:schemeClr>
+              </a:solidFill>
+            </a:endParaRPr>
           </a:p>
           <a:p>
             <a:pPr marL="742950" lvl="1" indent="-285750" algn="l">
@@ -3609,6 +3249,12 @@
               </a:rPr>
               <a:t>Identify and analyze the total number of Battery Electric Vehicles (BEVs) in the dataset.</a:t>
             </a:r>
+            <a:endParaRPr lang="en-US" b="0" i="0" dirty="0">
+              <a:solidFill>
+                <a:schemeClr val="bg1"/>
+              </a:solidFill>
+              <a:effectLst/>
+            </a:endParaRPr>
           </a:p>
           <a:p>
             <a:pPr marL="742950" lvl="1" indent="-285750" algn="l">
@@ -3627,6 +3273,12 @@
               </a:rPr>
               <a:t>Calculate the percentage of BEVs relative to the total number of electric vehicles, providing insights into the dominance of fully electric models.</a:t>
             </a:r>
+            <a:endParaRPr lang="en-US" b="0" i="0" dirty="0">
+              <a:solidFill>
+                <a:schemeClr val="bg1"/>
+              </a:solidFill>
+              <a:effectLst/>
+            </a:endParaRPr>
           </a:p>
           <a:p>
             <a:pPr>
@@ -3645,6 +3297,14 @@
               </a:rPr>
               <a:t>4. Total PHEV Vehicles and % of Total PHEV Vehicles:</a:t>
             </a:r>
+            <a:endParaRPr lang="en-US" b="1" dirty="0">
+              <a:solidFill>
+                <a:schemeClr val="accent6">
+                  <a:lumMod val="60000"/>
+                  <a:lumOff val="40000"/>
+                </a:schemeClr>
+              </a:solidFill>
+            </a:endParaRPr>
           </a:p>
           <a:p>
             <a:pPr marL="742950" lvl="1" indent="-285750" algn="l">
@@ -3663,6 +3323,12 @@
               </a:rPr>
               <a:t>Identify and analyze the total number of Plug-in Hybrid Electric Vehicles (PHEVs) in the dataset.</a:t>
             </a:r>
+            <a:endParaRPr lang="en-US" b="0" i="0" dirty="0">
+              <a:solidFill>
+                <a:schemeClr val="bg1"/>
+              </a:solidFill>
+              <a:effectLst/>
+            </a:endParaRPr>
           </a:p>
           <a:p>
             <a:pPr marL="742950" lvl="1" indent="-285750" algn="l">
@@ -3681,25 +3347,25 @@
               </a:rPr>
               <a:t>Calculate the percentage of PHEVs relative to the total number of electric vehicles, offering insights into the market share of plug-in hybrid models.</a:t>
             </a:r>
+            <a:endParaRPr lang="en-US" b="0" i="0" dirty="0">
+              <a:solidFill>
+                <a:schemeClr val="bg1"/>
+              </a:solidFill>
+              <a:effectLst/>
+            </a:endParaRPr>
           </a:p>
         </p:txBody>
       </p:sp>
       <p:pic>
         <p:nvPicPr>
-          <p:cNvPr id="9" name="Picture 8">
-            <a:extLst>
-              <a:ext uri="{FF2B5EF4-FFF2-40B4-BE49-F238E27FC236}">
-                <a16:creationId xmlns:a16="http://schemas.microsoft.com/office/drawing/2014/main" id="{1A354EEE-D1DA-B518-1999-28AC72352F01}"/>
-              </a:ext>
-            </a:extLst>
-          </p:cNvPr>
+          <p:cNvPr id="9" name="Picture 8"/>
           <p:cNvPicPr>
             <a:picLocks noChangeAspect="1"/>
           </p:cNvPicPr>
           <p:nvPr/>
         </p:nvPicPr>
         <p:blipFill>
-          <a:blip r:embed="rId3">
+          <a:blip r:embed="rId2">
             <a:extLst>
               <a:ext uri="{28A0092B-C50C-407E-A947-70E740481C1C}">
                 <a14:useLocalDpi xmlns:a14="http://schemas.microsoft.com/office/drawing/2010/main" val="0"/>
@@ -3721,11 +3387,6 @@
         </p:spPr>
       </p:pic>
     </p:spTree>
-    <p:extLst>
-      <p:ext uri="{BB962C8B-B14F-4D97-AF65-F5344CB8AC3E}">
-        <p14:creationId xmlns:p14="http://schemas.microsoft.com/office/powerpoint/2010/main" val="536096405"/>
-      </p:ext>
-    </p:extLst>
   </p:cSld>
   <p:clrMapOvr>
     <a:masterClrMapping/>
@@ -3733,7 +3394,7 @@
 </p:sld>
 </file>
 
-<file path=ppt/slides/slide2.xml><?xml version="1.0" encoding="utf-8"?>
+<file path=ppt/slides/slide3.xml><?xml version="1.0" encoding="utf-8"?>
 <p:sld xmlns:a="http://schemas.openxmlformats.org/drawingml/2006/main" xmlns:r="http://schemas.openxmlformats.org/officeDocument/2006/relationships" xmlns:p="http://schemas.openxmlformats.org/presentationml/2006/main">
   <p:cSld>
     <p:bg>
@@ -3746,13 +3407,7 @@
     </p:bg>
     <p:spTree>
       <p:nvGrpSpPr>
-        <p:cNvPr id="1" name="">
-          <a:extLst>
-            <a:ext uri="{FF2B5EF4-FFF2-40B4-BE49-F238E27FC236}">
-              <a16:creationId xmlns:a16="http://schemas.microsoft.com/office/drawing/2014/main" id="{737DEBD1-BC26-798A-DF7B-761D7E3CA3CE}"/>
-            </a:ext>
-          </a:extLst>
-        </p:cNvPr>
+        <p:cNvPr id="1" name=""/>
         <p:cNvGrpSpPr/>
         <p:nvPr/>
       </p:nvGrpSpPr>
@@ -3766,20 +3421,14 @@
       </p:grpSpPr>
       <p:pic>
         <p:nvPicPr>
-          <p:cNvPr id="5" name="Picture 4">
-            <a:extLst>
-              <a:ext uri="{FF2B5EF4-FFF2-40B4-BE49-F238E27FC236}">
-                <a16:creationId xmlns:a16="http://schemas.microsoft.com/office/drawing/2014/main" id="{EBECC6F1-07BC-EDFF-8508-3BF59DDFE585}"/>
-              </a:ext>
-            </a:extLst>
-          </p:cNvPr>
+          <p:cNvPr id="5" name="Picture 4"/>
           <p:cNvPicPr>
             <a:picLocks noChangeAspect="1"/>
           </p:cNvPicPr>
           <p:nvPr/>
         </p:nvPicPr>
         <p:blipFill>
-          <a:blip r:embed="rId2">
+          <a:blip r:embed="rId1">
             <a:alphaModFix amt="5000"/>
           </a:blip>
           <a:stretch>
@@ -3798,13 +3447,7 @@
       </p:pic>
       <p:sp>
         <p:nvSpPr>
-          <p:cNvPr id="6" name="TextBox 5">
-            <a:extLst>
-              <a:ext uri="{FF2B5EF4-FFF2-40B4-BE49-F238E27FC236}">
-                <a16:creationId xmlns:a16="http://schemas.microsoft.com/office/drawing/2014/main" id="{663D756A-EF0D-81C8-4F07-AAF27FD3AC90}"/>
-              </a:ext>
-            </a:extLst>
-          </p:cNvPr>
+          <p:cNvPr id="6" name="TextBox 5"/>
           <p:cNvSpPr txBox="1"/>
           <p:nvPr/>
         </p:nvSpPr>
@@ -3832,18 +3475,17 @@
               </a:rPr>
               <a:t>PROBLEM STATEMENT</a:t>
             </a:r>
-          </a:p>
-        </p:txBody>
-      </p:sp>
-      <p:sp>
-        <p:nvSpPr>
-          <p:cNvPr id="7" name="TextBox 6">
-            <a:extLst>
-              <a:ext uri="{FF2B5EF4-FFF2-40B4-BE49-F238E27FC236}">
-                <a16:creationId xmlns:a16="http://schemas.microsoft.com/office/drawing/2014/main" id="{5503C67F-EDCE-AC68-1C2E-F9D42559361F}"/>
-              </a:ext>
-            </a:extLst>
-          </p:cNvPr>
+            <a:endParaRPr lang="en-IN" sz="4000" b="1" dirty="0">
+              <a:solidFill>
+                <a:schemeClr val="bg1"/>
+              </a:solidFill>
+            </a:endParaRPr>
+          </a:p>
+        </p:txBody>
+      </p:sp>
+      <p:sp>
+        <p:nvSpPr>
+          <p:cNvPr id="7" name="TextBox 6"/>
           <p:cNvSpPr txBox="1"/>
           <p:nvPr/>
         </p:nvSpPr>
@@ -3871,18 +3513,17 @@
               </a:rPr>
               <a:t>Charts Requirement</a:t>
             </a:r>
-          </a:p>
-        </p:txBody>
-      </p:sp>
-      <p:sp>
-        <p:nvSpPr>
-          <p:cNvPr id="8" name="TextBox 7">
-            <a:extLst>
-              <a:ext uri="{FF2B5EF4-FFF2-40B4-BE49-F238E27FC236}">
-                <a16:creationId xmlns:a16="http://schemas.microsoft.com/office/drawing/2014/main" id="{E442E310-2011-BA88-A664-8C373A6FA9FF}"/>
-              </a:ext>
-            </a:extLst>
-          </p:cNvPr>
+            <a:endParaRPr lang="en-IN" sz="2000" b="1" dirty="0">
+              <a:solidFill>
+                <a:srgbClr val="FFC000"/>
+              </a:solidFill>
+            </a:endParaRPr>
+          </a:p>
+        </p:txBody>
+      </p:sp>
+      <p:sp>
+        <p:nvSpPr>
+          <p:cNvPr id="8" name="TextBox 7"/>
           <p:cNvSpPr txBox="1"/>
           <p:nvPr/>
         </p:nvSpPr>
@@ -3917,6 +3558,14 @@
               </a:rPr>
               <a:t>Total Vehicles by Model Year (From 2010 Onwards):</a:t>
             </a:r>
+            <a:endParaRPr lang="en-US" b="1" dirty="0">
+              <a:solidFill>
+                <a:schemeClr val="accent6">
+                  <a:lumMod val="60000"/>
+                  <a:lumOff val="40000"/>
+                </a:schemeClr>
+              </a:solidFill>
+            </a:endParaRPr>
           </a:p>
           <a:p>
             <a:pPr marL="742950" lvl="1" indent="-285750" algn="l">
@@ -3932,6 +3581,12 @@
               </a:rPr>
               <a:t>Visualization: Line/ Area Chart</a:t>
             </a:r>
+            <a:endParaRPr lang="en-US" b="0" i="0" dirty="0">
+              <a:solidFill>
+                <a:schemeClr val="bg1"/>
+              </a:solidFill>
+              <a:effectLst/>
+            </a:endParaRPr>
           </a:p>
           <a:p>
             <a:pPr marL="742950" lvl="1" indent="-285750" algn="l">
@@ -3947,6 +3602,12 @@
               </a:rPr>
               <a:t>Description: This chart will illustrate the distribution of electric vehicles over the years, starting from 2010, providing insights into the growth pattern and adoption trends.</a:t>
             </a:r>
+            <a:endParaRPr lang="en-US" b="0" i="0" dirty="0">
+              <a:solidFill>
+                <a:schemeClr val="bg1"/>
+              </a:solidFill>
+              <a:effectLst/>
+            </a:endParaRPr>
           </a:p>
           <a:p>
             <a:r>
@@ -3960,6 +3621,14 @@
               </a:rPr>
               <a:t>2. Total Vehicles by State:</a:t>
             </a:r>
+            <a:endParaRPr lang="en-US" b="1" dirty="0">
+              <a:solidFill>
+                <a:schemeClr val="accent6">
+                  <a:lumMod val="60000"/>
+                  <a:lumOff val="40000"/>
+                </a:schemeClr>
+              </a:solidFill>
+            </a:endParaRPr>
           </a:p>
           <a:p>
             <a:pPr marL="742950" lvl="1" indent="-285750" algn="l">
@@ -3975,6 +3644,12 @@
               </a:rPr>
               <a:t>Visualization: Map Chart </a:t>
             </a:r>
+            <a:endParaRPr lang="en-US" b="0" i="0" dirty="0">
+              <a:solidFill>
+                <a:schemeClr val="bg1"/>
+              </a:solidFill>
+              <a:effectLst/>
+            </a:endParaRPr>
           </a:p>
           <a:p>
             <a:pPr marL="742950" lvl="1" indent="-285750" algn="l">
@@ -3990,6 +3665,12 @@
               </a:rPr>
               <a:t>Description: This chart will showcase the geographical distribution of electric vehicles across different states, allowing for the identification of regions with higher adoption rates.</a:t>
             </a:r>
+            <a:endParaRPr lang="en-US" b="0" i="0" dirty="0">
+              <a:solidFill>
+                <a:schemeClr val="bg1"/>
+              </a:solidFill>
+              <a:effectLst/>
+            </a:endParaRPr>
           </a:p>
           <a:p>
             <a:r>
@@ -4003,6 +3684,14 @@
               </a:rPr>
               <a:t>3. Top 10 Total Vehicles by Make:</a:t>
             </a:r>
+            <a:endParaRPr lang="en-US" b="1" dirty="0">
+              <a:solidFill>
+                <a:schemeClr val="accent6">
+                  <a:lumMod val="60000"/>
+                  <a:lumOff val="40000"/>
+                </a:schemeClr>
+              </a:solidFill>
+            </a:endParaRPr>
           </a:p>
           <a:p>
             <a:pPr marL="742950" lvl="1" indent="-285750" algn="l">
@@ -4018,6 +3707,12 @@
               </a:rPr>
               <a:t>Visualization: Bar Chart </a:t>
             </a:r>
+            <a:endParaRPr lang="en-US" b="0" i="0" dirty="0">
+              <a:solidFill>
+                <a:schemeClr val="bg1"/>
+              </a:solidFill>
+              <a:effectLst/>
+            </a:endParaRPr>
           </a:p>
           <a:p>
             <a:pPr marL="742950" lvl="1" indent="-285750" algn="l">
@@ -4033,6 +3728,12 @@
               </a:rPr>
               <a:t>Description: Highlight the top 10 electric vehicle manufacturers based on the total number of vehicles, providing insights into the market dominance of specific brands.</a:t>
             </a:r>
+            <a:endParaRPr lang="en-US" b="0" i="0" dirty="0">
+              <a:solidFill>
+                <a:schemeClr val="bg1"/>
+              </a:solidFill>
+              <a:effectLst/>
+            </a:endParaRPr>
           </a:p>
           <a:p>
             <a:r>
@@ -4046,6 +3747,14 @@
               </a:rPr>
               <a:t>4. Total Vehicles by CAFV Eligibility:</a:t>
             </a:r>
+            <a:endParaRPr lang="en-US" b="1" dirty="0">
+              <a:solidFill>
+                <a:schemeClr val="accent6">
+                  <a:lumMod val="60000"/>
+                  <a:lumOff val="40000"/>
+                </a:schemeClr>
+              </a:solidFill>
+            </a:endParaRPr>
           </a:p>
           <a:p>
             <a:pPr marL="742950" lvl="1" indent="-285750" algn="l">
@@ -4061,6 +3770,12 @@
               </a:rPr>
               <a:t>Visualization: Pie Chart or Donut Chart</a:t>
             </a:r>
+            <a:endParaRPr lang="en-US" b="0" i="0" dirty="0">
+              <a:solidFill>
+                <a:schemeClr val="bg1"/>
+              </a:solidFill>
+              <a:effectLst/>
+            </a:endParaRPr>
           </a:p>
           <a:p>
             <a:pPr marL="742950" lvl="1" indent="-285750" algn="l">
@@ -4076,6 +3791,12 @@
               </a:rPr>
               <a:t>Description: Illustrate the proportion of electric vehicles that are eligible for Clean Alternative Fuel Vehicle (CAFV) incentives, aiding in understanding the impact of incentives on vehicle adoption.</a:t>
             </a:r>
+            <a:endParaRPr lang="en-US" b="0" i="0" dirty="0">
+              <a:solidFill>
+                <a:schemeClr val="bg1"/>
+              </a:solidFill>
+              <a:effectLst/>
+            </a:endParaRPr>
           </a:p>
           <a:p>
             <a:r>
@@ -4089,6 +3810,14 @@
               </a:rPr>
               <a:t>5. Top 10 Total Vehicles by Model:</a:t>
             </a:r>
+            <a:endParaRPr lang="en-US" b="1" dirty="0">
+              <a:solidFill>
+                <a:schemeClr val="accent6">
+                  <a:lumMod val="60000"/>
+                  <a:lumOff val="40000"/>
+                </a:schemeClr>
+              </a:solidFill>
+            </a:endParaRPr>
           </a:p>
           <a:p>
             <a:pPr marL="742950" lvl="1" indent="-285750" algn="l">
@@ -4124,25 +3853,25 @@
               </a:rPr>
               <a:t>Description: Highlight the top 10 electric vehicle models based on the total number of vehicles, offering insights into consumer preferences and popular models in the market.</a:t>
             </a:r>
+            <a:endParaRPr lang="en-US" b="0" i="0" dirty="0">
+              <a:solidFill>
+                <a:schemeClr val="bg1"/>
+              </a:solidFill>
+              <a:effectLst/>
+            </a:endParaRPr>
           </a:p>
         </p:txBody>
       </p:sp>
       <p:pic>
         <p:nvPicPr>
-          <p:cNvPr id="3" name="Picture 2">
-            <a:extLst>
-              <a:ext uri="{FF2B5EF4-FFF2-40B4-BE49-F238E27FC236}">
-                <a16:creationId xmlns:a16="http://schemas.microsoft.com/office/drawing/2014/main" id="{F4C9D5E0-78E1-EEB6-F1D8-6AD72ABE0E1A}"/>
-              </a:ext>
-            </a:extLst>
-          </p:cNvPr>
+          <p:cNvPr id="3" name="Picture 2"/>
           <p:cNvPicPr>
             <a:picLocks noChangeAspect="1"/>
           </p:cNvPicPr>
           <p:nvPr/>
         </p:nvPicPr>
         <p:blipFill>
-          <a:blip r:embed="rId3">
+          <a:blip r:embed="rId2">
             <a:extLst>
               <a:ext uri="{28A0092B-C50C-407E-A947-70E740481C1C}">
                 <a14:useLocalDpi xmlns:a14="http://schemas.microsoft.com/office/drawing/2010/main" val="0"/>
@@ -4164,206 +3893,6 @@
         </p:spPr>
       </p:pic>
     </p:spTree>
-    <p:extLst>
-      <p:ext uri="{BB962C8B-B14F-4D97-AF65-F5344CB8AC3E}">
-        <p14:creationId xmlns:p14="http://schemas.microsoft.com/office/powerpoint/2010/main" val="3314815525"/>
-      </p:ext>
-    </p:extLst>
-  </p:cSld>
-  <p:clrMapOvr>
-    <a:masterClrMapping/>
-  </p:clrMapOvr>
-</p:sld>
-</file>
-
-<file path=ppt/slides/slide3.xml><?xml version="1.0" encoding="utf-8"?>
-<p:sld xmlns:a="http://schemas.openxmlformats.org/drawingml/2006/main" xmlns:r="http://schemas.openxmlformats.org/officeDocument/2006/relationships" xmlns:p="http://schemas.openxmlformats.org/presentationml/2006/main">
-  <p:cSld>
-    <p:bg>
-      <p:bgPr>
-        <a:solidFill>
-          <a:srgbClr val="2C451B"/>
-        </a:solidFill>
-        <a:effectLst/>
-      </p:bgPr>
-    </p:bg>
-    <p:spTree>
-      <p:nvGrpSpPr>
-        <p:cNvPr id="1" name="">
-          <a:extLst>
-            <a:ext uri="{FF2B5EF4-FFF2-40B4-BE49-F238E27FC236}">
-              <a16:creationId xmlns:a16="http://schemas.microsoft.com/office/drawing/2014/main" id="{87FB6907-22FF-C3B9-BB54-3B90819FBE74}"/>
-            </a:ext>
-          </a:extLst>
-        </p:cNvPr>
-        <p:cNvGrpSpPr/>
-        <p:nvPr/>
-      </p:nvGrpSpPr>
-      <p:grpSpPr>
-        <a:xfrm>
-          <a:off x="0" y="0"/>
-          <a:ext cx="0" cy="0"/>
-          <a:chOff x="0" y="0"/>
-          <a:chExt cx="0" cy="0"/>
-        </a:xfrm>
-      </p:grpSpPr>
-      <p:pic>
-        <p:nvPicPr>
-          <p:cNvPr id="5" name="Picture 4">
-            <a:extLst>
-              <a:ext uri="{FF2B5EF4-FFF2-40B4-BE49-F238E27FC236}">
-                <a16:creationId xmlns:a16="http://schemas.microsoft.com/office/drawing/2014/main" id="{F411CD3D-DECF-0CC3-BF94-327D75D181EA}"/>
-              </a:ext>
-            </a:extLst>
-          </p:cNvPr>
-          <p:cNvPicPr>
-            <a:picLocks noChangeAspect="1"/>
-          </p:cNvPicPr>
-          <p:nvPr/>
-        </p:nvPicPr>
-        <p:blipFill>
-          <a:blip r:embed="rId2">
-            <a:alphaModFix amt="5000"/>
-          </a:blip>
-          <a:stretch>
-            <a:fillRect/>
-          </a:stretch>
-        </p:blipFill>
-        <p:spPr>
-          <a:xfrm>
-            <a:off x="82" y="0"/>
-            <a:ext cx="12191918" cy="6858000"/>
-          </a:xfrm>
-          <a:prstGeom prst="rect">
-            <a:avLst/>
-          </a:prstGeom>
-        </p:spPr>
-      </p:pic>
-      <p:pic>
-        <p:nvPicPr>
-          <p:cNvPr id="2" name="Picture 1">
-            <a:extLst>
-              <a:ext uri="{FF2B5EF4-FFF2-40B4-BE49-F238E27FC236}">
-                <a16:creationId xmlns:a16="http://schemas.microsoft.com/office/drawing/2014/main" id="{A56911CF-B213-B506-38E7-3F86D882622E}"/>
-              </a:ext>
-            </a:extLst>
-          </p:cNvPr>
-          <p:cNvPicPr>
-            <a:picLocks noChangeAspect="1"/>
-          </p:cNvPicPr>
-          <p:nvPr/>
-        </p:nvPicPr>
-        <p:blipFill>
-          <a:blip r:embed="rId3">
-            <a:extLst>
-              <a:ext uri="{28A0092B-C50C-407E-A947-70E740481C1C}">
-                <a14:useLocalDpi xmlns:a14="http://schemas.microsoft.com/office/drawing/2010/main" val="0"/>
-              </a:ext>
-            </a:extLst>
-          </a:blip>
-          <a:stretch>
-            <a:fillRect/>
-          </a:stretch>
-        </p:blipFill>
-        <p:spPr>
-          <a:xfrm>
-            <a:off x="5129117" y="218501"/>
-            <a:ext cx="1933766" cy="1394638"/>
-          </a:xfrm>
-          <a:prstGeom prst="rect">
-            <a:avLst/>
-          </a:prstGeom>
-        </p:spPr>
-      </p:pic>
-      <p:pic>
-        <p:nvPicPr>
-          <p:cNvPr id="3" name="Picture 4" descr="Subscribe button with like comment and share icon free png 19818545 PNG">
-            <a:extLst>
-              <a:ext uri="{FF2B5EF4-FFF2-40B4-BE49-F238E27FC236}">
-                <a16:creationId xmlns:a16="http://schemas.microsoft.com/office/drawing/2014/main" id="{819FF12A-933E-779E-612A-8DFA20A62742}"/>
-              </a:ext>
-            </a:extLst>
-          </p:cNvPr>
-          <p:cNvPicPr>
-            <a:picLocks noChangeAspect="1" noChangeArrowheads="1"/>
-          </p:cNvPicPr>
-          <p:nvPr/>
-        </p:nvPicPr>
-        <p:blipFill>
-          <a:blip r:embed="rId4">
-            <a:extLst>
-              <a:ext uri="{28A0092B-C50C-407E-A947-70E740481C1C}">
-                <a14:useLocalDpi xmlns:a14="http://schemas.microsoft.com/office/drawing/2010/main" val="0"/>
-              </a:ext>
-            </a:extLst>
-          </a:blip>
-          <a:srcRect/>
-          <a:stretch>
-            <a:fillRect/>
-          </a:stretch>
-        </p:blipFill>
-        <p:spPr bwMode="auto">
-          <a:xfrm>
-            <a:off x="3144327" y="3318869"/>
-            <a:ext cx="5903343" cy="3320630"/>
-          </a:xfrm>
-          <a:prstGeom prst="rect">
-            <a:avLst/>
-          </a:prstGeom>
-          <a:noFill/>
-          <a:extLst>
-            <a:ext uri="{909E8E84-426E-40DD-AFC4-6F175D3DCCD1}">
-              <a14:hiddenFill xmlns:a14="http://schemas.microsoft.com/office/drawing/2010/main">
-                <a:solidFill>
-                  <a:srgbClr val="FFFFFF"/>
-                </a:solidFill>
-              </a14:hiddenFill>
-            </a:ext>
-          </a:extLst>
-        </p:spPr>
-      </p:pic>
-      <p:pic>
-        <p:nvPicPr>
-          <p:cNvPr id="10" name="Picture 9">
-            <a:extLst>
-              <a:ext uri="{FF2B5EF4-FFF2-40B4-BE49-F238E27FC236}">
-                <a16:creationId xmlns:a16="http://schemas.microsoft.com/office/drawing/2014/main" id="{D7982A6D-9DE7-9BF3-3449-DEFCCCE6D36C}"/>
-              </a:ext>
-            </a:extLst>
-          </p:cNvPr>
-          <p:cNvPicPr>
-            <a:picLocks noChangeAspect="1"/>
-          </p:cNvPicPr>
-          <p:nvPr/>
-        </p:nvPicPr>
-        <p:blipFill>
-          <a:blip r:embed="rId5">
-            <a:extLst>
-              <a:ext uri="{28A0092B-C50C-407E-A947-70E740481C1C}">
-                <a14:useLocalDpi xmlns:a14="http://schemas.microsoft.com/office/drawing/2010/main" val="0"/>
-              </a:ext>
-            </a:extLst>
-          </a:blip>
-          <a:stretch>
-            <a:fillRect/>
-          </a:stretch>
-        </p:blipFill>
-        <p:spPr>
-          <a:xfrm>
-            <a:off x="1665309" y="1883919"/>
-            <a:ext cx="8861381" cy="2552380"/>
-          </a:xfrm>
-          <a:prstGeom prst="rect">
-            <a:avLst/>
-          </a:prstGeom>
-        </p:spPr>
-      </p:pic>
-    </p:spTree>
-    <p:extLst>
-      <p:ext uri="{BB962C8B-B14F-4D97-AF65-F5344CB8AC3E}">
-        <p14:creationId xmlns:p14="http://schemas.microsoft.com/office/powerpoint/2010/main" val="3319379367"/>
-      </p:ext>
-    </p:extLst>
   </p:cSld>
   <p:clrMapOvr>
     <a:masterClrMapping/>
@@ -4384,13 +3913,7 @@
     </p:bg>
     <p:spTree>
       <p:nvGrpSpPr>
-        <p:cNvPr id="1" name="">
-          <a:extLst>
-            <a:ext uri="{FF2B5EF4-FFF2-40B4-BE49-F238E27FC236}">
-              <a16:creationId xmlns:a16="http://schemas.microsoft.com/office/drawing/2014/main" id="{0F18CCE5-10D8-9DF8-B169-B8512FDF67FF}"/>
-            </a:ext>
-          </a:extLst>
-        </p:cNvPr>
+        <p:cNvPr id="1" name=""/>
         <p:cNvGrpSpPr/>
         <p:nvPr/>
       </p:nvGrpSpPr>
@@ -4404,20 +3927,14 @@
       </p:grpSpPr>
       <p:pic>
         <p:nvPicPr>
-          <p:cNvPr id="5" name="Picture 4">
-            <a:extLst>
-              <a:ext uri="{FF2B5EF4-FFF2-40B4-BE49-F238E27FC236}">
-                <a16:creationId xmlns:a16="http://schemas.microsoft.com/office/drawing/2014/main" id="{AFEB7190-0057-707E-58EF-C353415AFAD9}"/>
-              </a:ext>
-            </a:extLst>
-          </p:cNvPr>
+          <p:cNvPr id="5" name="Picture 4"/>
           <p:cNvPicPr>
             <a:picLocks noChangeAspect="1"/>
           </p:cNvPicPr>
           <p:nvPr/>
         </p:nvPicPr>
         <p:blipFill>
-          <a:blip r:embed="rId2">
+          <a:blip r:embed="rId1">
             <a:alphaModFix amt="5000"/>
           </a:blip>
           <a:stretch>
@@ -4436,13 +3953,7 @@
       </p:pic>
       <p:sp>
         <p:nvSpPr>
-          <p:cNvPr id="4" name="TextBox 3">
-            <a:extLst>
-              <a:ext uri="{FF2B5EF4-FFF2-40B4-BE49-F238E27FC236}">
-                <a16:creationId xmlns:a16="http://schemas.microsoft.com/office/drawing/2014/main" id="{9099348B-8DC6-8407-19BD-886EB1B5854B}"/>
-              </a:ext>
-            </a:extLst>
-          </p:cNvPr>
+          <p:cNvPr id="4" name="TextBox 3"/>
           <p:cNvSpPr txBox="1"/>
           <p:nvPr/>
         </p:nvSpPr>
@@ -4470,18 +3981,17 @@
               </a:rPr>
               <a:t>SOFTWARES USED</a:t>
             </a:r>
-          </a:p>
-        </p:txBody>
-      </p:sp>
-      <p:sp>
-        <p:nvSpPr>
-          <p:cNvPr id="6" name="TextBox 5">
-            <a:extLst>
-              <a:ext uri="{FF2B5EF4-FFF2-40B4-BE49-F238E27FC236}">
-                <a16:creationId xmlns:a16="http://schemas.microsoft.com/office/drawing/2014/main" id="{FF192EC5-AA41-2C47-2C4F-0284CCD75170}"/>
-              </a:ext>
-            </a:extLst>
-          </p:cNvPr>
+            <a:endParaRPr lang="en-IN" sz="4000" b="1" dirty="0">
+              <a:solidFill>
+                <a:schemeClr val="bg1"/>
+              </a:solidFill>
+            </a:endParaRPr>
+          </a:p>
+        </p:txBody>
+      </p:sp>
+      <p:sp>
+        <p:nvSpPr>
+          <p:cNvPr id="6" name="TextBox 5"/>
           <p:cNvSpPr txBox="1"/>
           <p:nvPr/>
         </p:nvSpPr>
@@ -4521,8 +4031,6 @@
               </a:rPr>
               <a:t>VERSION 2021</a:t>
             </a:r>
-          </a:p>
-          <a:p>
             <a:endParaRPr lang="en-IN" sz="2500" b="1" dirty="0">
               <a:solidFill>
                 <a:schemeClr val="bg1">
@@ -4533,6 +4041,16 @@
             </a:endParaRPr>
           </a:p>
           <a:p>
+            <a:endParaRPr lang="en-IN" sz="2500" b="1" dirty="0">
+              <a:solidFill>
+                <a:schemeClr val="bg1">
+                  <a:lumMod val="95000"/>
+                </a:schemeClr>
+              </a:solidFill>
+              <a:latin typeface="Century Gothic" panose="020B0502020202020204" pitchFamily="34" charset="0"/>
+            </a:endParaRPr>
+          </a:p>
+          <a:p>
             <a:r>
               <a:rPr lang="en-IN" sz="2500" b="1" dirty="0">
                 <a:solidFill>
@@ -4565,25 +4083,27 @@
               </a:rPr>
               <a:t>Dec 2023 Version </a:t>
             </a:r>
+            <a:endParaRPr lang="en-IN" sz="2500" b="1" dirty="0">
+              <a:solidFill>
+                <a:schemeClr val="bg1">
+                  <a:lumMod val="95000"/>
+                </a:schemeClr>
+              </a:solidFill>
+              <a:latin typeface="Century Gothic" panose="020B0502020202020204" pitchFamily="34" charset="0"/>
+            </a:endParaRPr>
           </a:p>
         </p:txBody>
       </p:sp>
       <p:pic>
         <p:nvPicPr>
-          <p:cNvPr id="8" name="Picture 7">
-            <a:extLst>
-              <a:ext uri="{FF2B5EF4-FFF2-40B4-BE49-F238E27FC236}">
-                <a16:creationId xmlns:a16="http://schemas.microsoft.com/office/drawing/2014/main" id="{92457DF5-A000-2D33-4C69-70F35BBE52B3}"/>
-              </a:ext>
-            </a:extLst>
-          </p:cNvPr>
+          <p:cNvPr id="8" name="Picture 7"/>
           <p:cNvPicPr>
             <a:picLocks noChangeAspect="1"/>
           </p:cNvPicPr>
           <p:nvPr/>
         </p:nvPicPr>
         <p:blipFill>
-          <a:blip r:embed="rId3">
+          <a:blip r:embed="rId2">
             <a:extLst>
               <a:ext uri="{28A0092B-C50C-407E-A947-70E740481C1C}">
                 <a14:useLocalDpi xmlns:a14="http://schemas.microsoft.com/office/drawing/2010/main" val="0"/>
@@ -4605,11 +4125,6 @@
         </p:spPr>
       </p:pic>
     </p:spTree>
-    <p:extLst>
-      <p:ext uri="{BB962C8B-B14F-4D97-AF65-F5344CB8AC3E}">
-        <p14:creationId xmlns:p14="http://schemas.microsoft.com/office/powerpoint/2010/main" val="3106249412"/>
-      </p:ext>
-    </p:extLst>
   </p:cSld>
   <p:clrMapOvr>
     <a:masterClrMapping/>
@@ -4660,7 +4175,7 @@
     </a:clrScheme>
     <a:fontScheme name="Office">
       <a:majorFont>
-        <a:latin typeface="Calibri Light" panose="020F0302020204030204"/>
+        <a:latin typeface="Calibri Light"/>
         <a:ea typeface=""/>
         <a:cs typeface=""/>
         <a:font script="Jpan" typeface="游ゴシック Light"/>
@@ -4693,26 +4208,9 @@
         <a:font script="Viet" typeface="Times New Roman"/>
         <a:font script="Uigh" typeface="Microsoft Uighur"/>
         <a:font script="Geor" typeface="Sylfaen"/>
-        <a:font script="Armn" typeface="Arial"/>
-        <a:font script="Bugi" typeface="Leelawadee UI"/>
-        <a:font script="Bopo" typeface="Microsoft JhengHei"/>
-        <a:font script="Java" typeface="Javanese Text"/>
-        <a:font script="Lisu" typeface="Segoe UI"/>
-        <a:font script="Mymr" typeface="Myanmar Text"/>
-        <a:font script="Nkoo" typeface="Ebrima"/>
-        <a:font script="Olck" typeface="Nirmala UI"/>
-        <a:font script="Osma" typeface="Ebrima"/>
-        <a:font script="Phag" typeface="Phagspa"/>
-        <a:font script="Syrn" typeface="Estrangelo Edessa"/>
-        <a:font script="Syrj" typeface="Estrangelo Edessa"/>
-        <a:font script="Syre" typeface="Estrangelo Edessa"/>
-        <a:font script="Sora" typeface="Nirmala UI"/>
-        <a:font script="Tale" typeface="Microsoft Tai Le"/>
-        <a:font script="Talu" typeface="Microsoft New Tai Lue"/>
-        <a:font script="Tfng" typeface="Ebrima"/>
       </a:majorFont>
       <a:minorFont>
-        <a:latin typeface="Calibri" panose="020F0502020204030204"/>
+        <a:latin typeface="Calibri"/>
         <a:ea typeface=""/>
         <a:cs typeface=""/>
         <a:font script="Jpan" typeface="游ゴシック"/>
@@ -4745,23 +4243,6 @@
         <a:font script="Viet" typeface="Arial"/>
         <a:font script="Uigh" typeface="Microsoft Uighur"/>
         <a:font script="Geor" typeface="Sylfaen"/>
-        <a:font script="Armn" typeface="Arial"/>
-        <a:font script="Bugi" typeface="Leelawadee UI"/>
-        <a:font script="Bopo" typeface="Microsoft JhengHei"/>
-        <a:font script="Java" typeface="Javanese Text"/>
-        <a:font script="Lisu" typeface="Segoe UI"/>
-        <a:font script="Mymr" typeface="Myanmar Text"/>
-        <a:font script="Nkoo" typeface="Ebrima"/>
-        <a:font script="Olck" typeface="Nirmala UI"/>
-        <a:font script="Osma" typeface="Ebrima"/>
-        <a:font script="Phag" typeface="Phagspa"/>
-        <a:font script="Syrn" typeface="Estrangelo Edessa"/>
-        <a:font script="Syrj" typeface="Estrangelo Edessa"/>
-        <a:font script="Syre" typeface="Estrangelo Edessa"/>
-        <a:font script="Sora" typeface="Nirmala UI"/>
-        <a:font script="Tale" typeface="Microsoft Tai Le"/>
-        <a:font script="Talu" typeface="Microsoft New Tai Lue"/>
-        <a:font script="Tfng" typeface="Ebrima"/>
       </a:minorFont>
     </a:fontScheme>
     <a:fmtScheme name="Office">
@@ -4902,8 +4383,6 @@
       </a:bgFillStyleLst>
     </a:fmtScheme>
   </a:themeElements>
-  <a:objectDefaults/>
-  <a:extraClrSchemeLst/>
   <a:extLst>
     <a:ext uri="{05A4C25C-085E-4340-85A3-A5531E510DB2}">
       <thm15:themeFamily xmlns:thm15="http://schemas.microsoft.com/office/thememl/2012/main" name="Office Theme" id="{62F939B6-93AF-4DB8-9C6B-D6C7DFDC589F}" vid="{4A3C46E8-61CC-4603-A589-7422A47A8E4A}"/>

--- a/4.tableau/Electric Vehicle Data/Electric Vehicle Data/Electric Vehicle Presentation.pptx
+++ b/4.tableau/Electric Vehicle Data/Electric Vehicle Data/Electric Vehicle Presentation.pptx
@@ -5,10 +5,8 @@
     <p:sldMasterId id="2147483648" r:id="rId1"/>
   </p:sldMasterIdLst>
   <p:sldIdLst>
-    <p:sldId id="260" r:id="rId3"/>
-    <p:sldId id="256" r:id="rId4"/>
-    <p:sldId id="257" r:id="rId5"/>
-    <p:sldId id="259" r:id="rId6"/>
+    <p:sldId id="256" r:id="rId3"/>
+    <p:sldId id="257" r:id="rId4"/>
   </p:sldIdLst>
   <p:sldSz cx="12192000" cy="6858000"/>
   <p:notesSz cx="6858000" cy="9144000"/>
@@ -2910,23 +2908,64 @@
 <file path=ppt/slides/slide1.xml><?xml version="1.0" encoding="utf-8"?>
 <p:sld xmlns:a="http://schemas.openxmlformats.org/drawingml/2006/main" xmlns:r="http://schemas.openxmlformats.org/officeDocument/2006/relationships" xmlns:p="http://schemas.openxmlformats.org/presentationml/2006/main">
   <p:cSld>
+    <p:bg>
+      <p:bgPr>
+        <a:solidFill>
+          <a:srgbClr val="2C451B"/>
+        </a:solidFill>
+        <a:effectLst/>
+      </p:bgPr>
+    </p:bg>
     <p:spTree>
       <p:nvGrpSpPr>
         <p:cNvPr id="1" name=""/>
         <p:cNvGrpSpPr/>
         <p:nvPr/>
       </p:nvGrpSpPr>
-      <p:grpSpPr/>
-      <p:sp>
-        <p:nvSpPr>
-          <p:cNvPr id="4" name="Text Box 3"/>
+      <p:grpSpPr>
+        <a:xfrm>
+          <a:off x="0" y="0"/>
+          <a:ext cx="0" cy="0"/>
+          <a:chOff x="0" y="0"/>
+          <a:chExt cx="0" cy="0"/>
+        </a:xfrm>
+      </p:grpSpPr>
+      <p:pic>
+        <p:nvPicPr>
+          <p:cNvPr id="5" name="Picture 4"/>
+          <p:cNvPicPr>
+            <a:picLocks noChangeAspect="1"/>
+          </p:cNvPicPr>
+          <p:nvPr/>
+        </p:nvPicPr>
+        <p:blipFill>
+          <a:blip r:embed="rId1">
+            <a:alphaModFix amt="5000"/>
+          </a:blip>
+          <a:stretch>
+            <a:fillRect/>
+          </a:stretch>
+        </p:blipFill>
+        <p:spPr>
+          <a:xfrm>
+            <a:off x="82" y="0"/>
+            <a:ext cx="12191918" cy="6858000"/>
+          </a:xfrm>
+          <a:prstGeom prst="rect">
+            <a:avLst/>
+          </a:prstGeom>
+        </p:spPr>
+      </p:pic>
+      <p:sp>
+        <p:nvSpPr>
+          <p:cNvPr id="6" name="TextBox 5"/>
           <p:cNvSpPr txBox="1"/>
           <p:nvPr/>
         </p:nvSpPr>
         <p:spPr>
           <a:xfrm>
-            <a:off x="3009900" y="1510665"/>
-            <a:ext cx="4064000" cy="368300"/>
+            <a:off x="120770" y="-51756"/>
+            <a:ext cx="5408763" cy="707886"/>
           </a:xfrm>
           <a:prstGeom prst="rect">
             <a:avLst/>
@@ -2937,12 +2976,334 @@
           <a:bodyPr wrap="square" rtlCol="0">
             <a:spAutoFit/>
           </a:bodyPr>
-          <a:p>
-            <a:r>
-              <a:rPr lang="en-US"/>
-              <a:t>Electric car Dashboard</a:t>
-            </a:r>
-            <a:endParaRPr lang="en-US"/>
+          <a:lstStyle/>
+          <a:p>
+            <a:r>
+              <a:rPr lang="en-IN" sz="4000" b="1" dirty="0">
+                <a:solidFill>
+                  <a:schemeClr val="bg1"/>
+                </a:solidFill>
+              </a:rPr>
+              <a:t>PROBLEM STATEMENT</a:t>
+            </a:r>
+            <a:endParaRPr lang="en-IN" sz="4000" b="1" dirty="0">
+              <a:solidFill>
+                <a:schemeClr val="bg1"/>
+              </a:solidFill>
+            </a:endParaRPr>
+          </a:p>
+        </p:txBody>
+      </p:sp>
+      <p:sp>
+        <p:nvSpPr>
+          <p:cNvPr id="7" name="TextBox 6"/>
+          <p:cNvSpPr txBox="1"/>
+          <p:nvPr/>
+        </p:nvSpPr>
+        <p:spPr>
+          <a:xfrm>
+            <a:off x="129396" y="572705"/>
+            <a:ext cx="4477109" cy="400110"/>
+          </a:xfrm>
+          <a:prstGeom prst="rect">
+            <a:avLst/>
+          </a:prstGeom>
+          <a:noFill/>
+        </p:spPr>
+        <p:txBody>
+          <a:bodyPr wrap="square" rtlCol="0">
+            <a:spAutoFit/>
+          </a:bodyPr>
+          <a:lstStyle/>
+          <a:p>
+            <a:r>
+              <a:rPr lang="en-IN" sz="2000" b="1" dirty="0">
+                <a:solidFill>
+                  <a:srgbClr val="FFC000"/>
+                </a:solidFill>
+              </a:rPr>
+              <a:t>KPI’S Requirement</a:t>
+            </a:r>
+            <a:endParaRPr lang="en-IN" sz="2000" b="1" dirty="0">
+              <a:solidFill>
+                <a:srgbClr val="FFC000"/>
+              </a:solidFill>
+            </a:endParaRPr>
+          </a:p>
+        </p:txBody>
+      </p:sp>
+      <p:sp>
+        <p:nvSpPr>
+          <p:cNvPr id="8" name="TextBox 7"/>
+          <p:cNvSpPr txBox="1"/>
+          <p:nvPr/>
+        </p:nvSpPr>
+        <p:spPr>
+          <a:xfrm>
+            <a:off x="129396" y="946416"/>
+            <a:ext cx="10834778" cy="5866350"/>
+          </a:xfrm>
+          <a:prstGeom prst="rect">
+            <a:avLst/>
+          </a:prstGeom>
+          <a:noFill/>
+        </p:spPr>
+        <p:txBody>
+          <a:bodyPr wrap="square" rtlCol="0">
+            <a:spAutoFit/>
+          </a:bodyPr>
+          <a:lstStyle/>
+          <a:p>
+            <a:pPr algn="l">
+              <a:lnSpc>
+                <a:spcPct val="150000"/>
+              </a:lnSpc>
+              <a:buFont typeface="+mj-lt"/>
+              <a:buAutoNum type="arabicPeriod"/>
+            </a:pPr>
+            <a:r>
+              <a:rPr lang="en-US" b="1" i="0" dirty="0">
+                <a:solidFill>
+                  <a:schemeClr val="accent6">
+                    <a:lumMod val="60000"/>
+                    <a:lumOff val="40000"/>
+                  </a:schemeClr>
+                </a:solidFill>
+                <a:effectLst/>
+              </a:rPr>
+              <a:t> Total Vehicles:</a:t>
+            </a:r>
+            <a:endParaRPr lang="en-US" b="0" i="0" dirty="0">
+              <a:solidFill>
+                <a:schemeClr val="accent6">
+                  <a:lumMod val="60000"/>
+                  <a:lumOff val="40000"/>
+                </a:schemeClr>
+              </a:solidFill>
+              <a:effectLst/>
+            </a:endParaRPr>
+          </a:p>
+          <a:p>
+            <a:pPr marL="742950" lvl="1" indent="-285750" algn="l">
+              <a:lnSpc>
+                <a:spcPct val="150000"/>
+              </a:lnSpc>
+              <a:buFont typeface="Arial" panose="020B0604020202020204" pitchFamily="34" charset="0"/>
+              <a:buChar char="•"/>
+            </a:pPr>
+            <a:r>
+              <a:rPr lang="en-US" b="0" i="0" dirty="0">
+                <a:solidFill>
+                  <a:schemeClr val="bg1"/>
+                </a:solidFill>
+                <a:effectLst/>
+              </a:rPr>
+              <a:t>Understand the overall landscape of electric vehicles, encompassing both BEVs and PHEVs, to assess the market's size and growth.</a:t>
+            </a:r>
+            <a:endParaRPr lang="en-US" b="0" i="0" dirty="0">
+              <a:solidFill>
+                <a:schemeClr val="bg1"/>
+              </a:solidFill>
+              <a:effectLst/>
+            </a:endParaRPr>
+          </a:p>
+          <a:p>
+            <a:pPr>
+              <a:lnSpc>
+                <a:spcPct val="150000"/>
+              </a:lnSpc>
+            </a:pPr>
+            <a:r>
+              <a:rPr lang="en-US" b="1" dirty="0">
+                <a:solidFill>
+                  <a:schemeClr val="accent6">
+                    <a:lumMod val="60000"/>
+                    <a:lumOff val="40000"/>
+                  </a:schemeClr>
+                </a:solidFill>
+              </a:rPr>
+              <a:t>2. Average Electric Range:</a:t>
+            </a:r>
+            <a:endParaRPr lang="en-US" b="1" dirty="0">
+              <a:solidFill>
+                <a:schemeClr val="accent6">
+                  <a:lumMod val="60000"/>
+                  <a:lumOff val="40000"/>
+                </a:schemeClr>
+              </a:solidFill>
+            </a:endParaRPr>
+          </a:p>
+          <a:p>
+            <a:pPr marL="742950" lvl="1" indent="-285750" algn="l">
+              <a:lnSpc>
+                <a:spcPct val="150000"/>
+              </a:lnSpc>
+              <a:buFont typeface="Arial" panose="020B0604020202020204" pitchFamily="34" charset="0"/>
+              <a:buChar char="•"/>
+            </a:pPr>
+            <a:r>
+              <a:rPr lang="en-US" b="0" i="0" dirty="0">
+                <a:solidFill>
+                  <a:schemeClr val="bg1"/>
+                </a:solidFill>
+                <a:effectLst/>
+              </a:rPr>
+              <a:t>Determine the average electric range of the electric vehicles in the dataset to gauge the technological advancements and efficiency of the EVs.</a:t>
+            </a:r>
+            <a:endParaRPr lang="en-US" b="0" i="0" dirty="0">
+              <a:solidFill>
+                <a:schemeClr val="bg1"/>
+              </a:solidFill>
+              <a:effectLst/>
+            </a:endParaRPr>
+          </a:p>
+          <a:p>
+            <a:pPr algn="l">
+              <a:lnSpc>
+                <a:spcPct val="150000"/>
+              </a:lnSpc>
+            </a:pPr>
+            <a:r>
+              <a:rPr lang="en-US" b="1" dirty="0">
+                <a:solidFill>
+                  <a:schemeClr val="accent6">
+                    <a:lumMod val="60000"/>
+                    <a:lumOff val="40000"/>
+                  </a:schemeClr>
+                </a:solidFill>
+              </a:rPr>
+              <a:t>3. Total BEV Vehicles and % of Total BEV Vehicles:</a:t>
+            </a:r>
+            <a:endParaRPr lang="en-US" b="1" dirty="0">
+              <a:solidFill>
+                <a:schemeClr val="accent6">
+                  <a:lumMod val="60000"/>
+                  <a:lumOff val="40000"/>
+                </a:schemeClr>
+              </a:solidFill>
+            </a:endParaRPr>
+          </a:p>
+          <a:p>
+            <a:pPr marL="742950" lvl="1" indent="-285750" algn="l">
+              <a:lnSpc>
+                <a:spcPct val="150000"/>
+              </a:lnSpc>
+              <a:buFont typeface="Arial" panose="020B0604020202020204" pitchFamily="34" charset="0"/>
+              <a:buChar char="•"/>
+            </a:pPr>
+            <a:r>
+              <a:rPr lang="en-US" b="0" i="0" dirty="0">
+                <a:solidFill>
+                  <a:schemeClr val="bg1"/>
+                </a:solidFill>
+                <a:effectLst/>
+              </a:rPr>
+              <a:t>Identify and analyze the total number of Battery Electric Vehicles (BEVs) in the dataset.</a:t>
+            </a:r>
+            <a:endParaRPr lang="en-US" b="0" i="0" dirty="0">
+              <a:solidFill>
+                <a:schemeClr val="bg1"/>
+              </a:solidFill>
+              <a:effectLst/>
+            </a:endParaRPr>
+          </a:p>
+          <a:p>
+            <a:pPr marL="742950" lvl="1" indent="-285750" algn="l">
+              <a:lnSpc>
+                <a:spcPct val="150000"/>
+              </a:lnSpc>
+              <a:buFont typeface="Arial" panose="020B0604020202020204" pitchFamily="34" charset="0"/>
+              <a:buChar char="•"/>
+            </a:pPr>
+            <a:r>
+              <a:rPr lang="en-US" b="0" i="0" dirty="0">
+                <a:solidFill>
+                  <a:schemeClr val="bg1"/>
+                </a:solidFill>
+                <a:effectLst/>
+              </a:rPr>
+              <a:t>Calculate the percentage of BEVs relative to the total number of electric vehicles, providing insights into the dominance of fully electric models.</a:t>
+            </a:r>
+            <a:endParaRPr lang="en-US" b="0" i="0" dirty="0">
+              <a:solidFill>
+                <a:schemeClr val="bg1"/>
+              </a:solidFill>
+              <a:effectLst/>
+            </a:endParaRPr>
+          </a:p>
+          <a:p>
+            <a:pPr>
+              <a:lnSpc>
+                <a:spcPct val="150000"/>
+              </a:lnSpc>
+            </a:pPr>
+            <a:r>
+              <a:rPr lang="en-US" b="1" dirty="0">
+                <a:solidFill>
+                  <a:schemeClr val="accent6">
+                    <a:lumMod val="60000"/>
+                    <a:lumOff val="40000"/>
+                  </a:schemeClr>
+                </a:solidFill>
+              </a:rPr>
+              <a:t>4. Total PHEV Vehicles and % of Total PHEV Vehicles:</a:t>
+            </a:r>
+            <a:endParaRPr lang="en-US" b="1" dirty="0">
+              <a:solidFill>
+                <a:schemeClr val="accent6">
+                  <a:lumMod val="60000"/>
+                  <a:lumOff val="40000"/>
+                </a:schemeClr>
+              </a:solidFill>
+            </a:endParaRPr>
+          </a:p>
+          <a:p>
+            <a:pPr marL="742950" lvl="1" indent="-285750" algn="l">
+              <a:lnSpc>
+                <a:spcPct val="150000"/>
+              </a:lnSpc>
+              <a:buFont typeface="Arial" panose="020B0604020202020204" pitchFamily="34" charset="0"/>
+              <a:buChar char="•"/>
+            </a:pPr>
+            <a:r>
+              <a:rPr lang="en-US" b="0" i="0" dirty="0">
+                <a:solidFill>
+                  <a:schemeClr val="bg1"/>
+                </a:solidFill>
+                <a:effectLst/>
+              </a:rPr>
+              <a:t>Identify and analyze the total number of Plug-in Hybrid Electric Vehicles (PHEVs) in the dataset.</a:t>
+            </a:r>
+            <a:endParaRPr lang="en-US" b="0" i="0" dirty="0">
+              <a:solidFill>
+                <a:schemeClr val="bg1"/>
+              </a:solidFill>
+              <a:effectLst/>
+            </a:endParaRPr>
+          </a:p>
+          <a:p>
+            <a:pPr marL="742950" lvl="1" indent="-285750" algn="l">
+              <a:lnSpc>
+                <a:spcPct val="150000"/>
+              </a:lnSpc>
+              <a:buFont typeface="Arial" panose="020B0604020202020204" pitchFamily="34" charset="0"/>
+              <a:buChar char="•"/>
+            </a:pPr>
+            <a:r>
+              <a:rPr lang="en-US" b="0" i="0" dirty="0">
+                <a:solidFill>
+                  <a:schemeClr val="bg1"/>
+                </a:solidFill>
+                <a:effectLst/>
+              </a:rPr>
+              <a:t>Calculate the percentage of PHEVs relative to the total number of electric vehicles, offering insights into the market share of plug-in hybrid models.</a:t>
+            </a:r>
+            <a:endParaRPr lang="en-US" b="0" i="0" dirty="0">
+              <a:solidFill>
+                <a:schemeClr val="bg1"/>
+              </a:solidFill>
+              <a:effectLst/>
+            </a:endParaRPr>
           </a:p>
         </p:txBody>
       </p:sp>
@@ -3071,7 +3432,7 @@
                   <a:srgbClr val="FFC000"/>
                 </a:solidFill>
               </a:rPr>
-              <a:t>KPI’S Requirement</a:t>
+              <a:t>Charts Requirement</a:t>
             </a:r>
             <a:endParaRPr lang="en-IN" sz="2000" b="1" dirty="0">
               <a:solidFill>
@@ -3089,447 +3450,7 @@
         </p:nvSpPr>
         <p:spPr>
           <a:xfrm>
-            <a:off x="129396" y="946416"/>
-            <a:ext cx="10834778" cy="5866350"/>
-          </a:xfrm>
-          <a:prstGeom prst="rect">
-            <a:avLst/>
-          </a:prstGeom>
-          <a:noFill/>
-        </p:spPr>
-        <p:txBody>
-          <a:bodyPr wrap="square" rtlCol="0">
-            <a:spAutoFit/>
-          </a:bodyPr>
-          <a:lstStyle/>
-          <a:p>
-            <a:pPr algn="l">
-              <a:lnSpc>
-                <a:spcPct val="150000"/>
-              </a:lnSpc>
-              <a:buFont typeface="+mj-lt"/>
-              <a:buAutoNum type="arabicPeriod"/>
-            </a:pPr>
-            <a:r>
-              <a:rPr lang="en-US" b="1" i="0" dirty="0">
-                <a:solidFill>
-                  <a:schemeClr val="accent6">
-                    <a:lumMod val="60000"/>
-                    <a:lumOff val="40000"/>
-                  </a:schemeClr>
-                </a:solidFill>
-                <a:effectLst/>
-              </a:rPr>
-              <a:t> Total Vehicles:</a:t>
-            </a:r>
-            <a:endParaRPr lang="en-US" b="0" i="0" dirty="0">
-              <a:solidFill>
-                <a:schemeClr val="accent6">
-                  <a:lumMod val="60000"/>
-                  <a:lumOff val="40000"/>
-                </a:schemeClr>
-              </a:solidFill>
-              <a:effectLst/>
-            </a:endParaRPr>
-          </a:p>
-          <a:p>
-            <a:pPr marL="742950" lvl="1" indent="-285750" algn="l">
-              <a:lnSpc>
-                <a:spcPct val="150000"/>
-              </a:lnSpc>
-              <a:buFont typeface="Arial" panose="020B0604020202020204" pitchFamily="34" charset="0"/>
-              <a:buChar char="•"/>
-            </a:pPr>
-            <a:r>
-              <a:rPr lang="en-US" b="0" i="0" dirty="0">
-                <a:solidFill>
-                  <a:schemeClr val="bg1"/>
-                </a:solidFill>
-                <a:effectLst/>
-              </a:rPr>
-              <a:t>Understand the overall landscape of electric vehicles, encompassing both BEVs and PHEVs, to assess the market's size and growth.</a:t>
-            </a:r>
-            <a:endParaRPr lang="en-US" b="0" i="0" dirty="0">
-              <a:solidFill>
-                <a:schemeClr val="bg1"/>
-              </a:solidFill>
-              <a:effectLst/>
-            </a:endParaRPr>
-          </a:p>
-          <a:p>
-            <a:pPr>
-              <a:lnSpc>
-                <a:spcPct val="150000"/>
-              </a:lnSpc>
-            </a:pPr>
-            <a:r>
-              <a:rPr lang="en-US" b="1" dirty="0">
-                <a:solidFill>
-                  <a:schemeClr val="accent6">
-                    <a:lumMod val="60000"/>
-                    <a:lumOff val="40000"/>
-                  </a:schemeClr>
-                </a:solidFill>
-              </a:rPr>
-              <a:t>2. Average Electric Range:</a:t>
-            </a:r>
-            <a:endParaRPr lang="en-US" b="1" dirty="0">
-              <a:solidFill>
-                <a:schemeClr val="accent6">
-                  <a:lumMod val="60000"/>
-                  <a:lumOff val="40000"/>
-                </a:schemeClr>
-              </a:solidFill>
-            </a:endParaRPr>
-          </a:p>
-          <a:p>
-            <a:pPr marL="742950" lvl="1" indent="-285750" algn="l">
-              <a:lnSpc>
-                <a:spcPct val="150000"/>
-              </a:lnSpc>
-              <a:buFont typeface="Arial" panose="020B0604020202020204" pitchFamily="34" charset="0"/>
-              <a:buChar char="•"/>
-            </a:pPr>
-            <a:r>
-              <a:rPr lang="en-US" b="0" i="0" dirty="0">
-                <a:solidFill>
-                  <a:schemeClr val="bg1"/>
-                </a:solidFill>
-                <a:effectLst/>
-              </a:rPr>
-              <a:t>Determine the average electric range of the electric vehicles in the dataset to gauge the technological advancements and efficiency of the EVs.</a:t>
-            </a:r>
-            <a:endParaRPr lang="en-US" b="0" i="0" dirty="0">
-              <a:solidFill>
-                <a:schemeClr val="bg1"/>
-              </a:solidFill>
-              <a:effectLst/>
-            </a:endParaRPr>
-          </a:p>
-          <a:p>
-            <a:pPr algn="l">
-              <a:lnSpc>
-                <a:spcPct val="150000"/>
-              </a:lnSpc>
-            </a:pPr>
-            <a:r>
-              <a:rPr lang="en-US" b="1" dirty="0">
-                <a:solidFill>
-                  <a:schemeClr val="accent6">
-                    <a:lumMod val="60000"/>
-                    <a:lumOff val="40000"/>
-                  </a:schemeClr>
-                </a:solidFill>
-              </a:rPr>
-              <a:t>3. Total BEV Vehicles and % of Total BEV Vehicles:</a:t>
-            </a:r>
-            <a:endParaRPr lang="en-US" b="1" dirty="0">
-              <a:solidFill>
-                <a:schemeClr val="accent6">
-                  <a:lumMod val="60000"/>
-                  <a:lumOff val="40000"/>
-                </a:schemeClr>
-              </a:solidFill>
-            </a:endParaRPr>
-          </a:p>
-          <a:p>
-            <a:pPr marL="742950" lvl="1" indent="-285750" algn="l">
-              <a:lnSpc>
-                <a:spcPct val="150000"/>
-              </a:lnSpc>
-              <a:buFont typeface="Arial" panose="020B0604020202020204" pitchFamily="34" charset="0"/>
-              <a:buChar char="•"/>
-            </a:pPr>
-            <a:r>
-              <a:rPr lang="en-US" b="0" i="0" dirty="0">
-                <a:solidFill>
-                  <a:schemeClr val="bg1"/>
-                </a:solidFill>
-                <a:effectLst/>
-              </a:rPr>
-              <a:t>Identify and analyze the total number of Battery Electric Vehicles (BEVs) in the dataset.</a:t>
-            </a:r>
-            <a:endParaRPr lang="en-US" b="0" i="0" dirty="0">
-              <a:solidFill>
-                <a:schemeClr val="bg1"/>
-              </a:solidFill>
-              <a:effectLst/>
-            </a:endParaRPr>
-          </a:p>
-          <a:p>
-            <a:pPr marL="742950" lvl="1" indent="-285750" algn="l">
-              <a:lnSpc>
-                <a:spcPct val="150000"/>
-              </a:lnSpc>
-              <a:buFont typeface="Arial" panose="020B0604020202020204" pitchFamily="34" charset="0"/>
-              <a:buChar char="•"/>
-            </a:pPr>
-            <a:r>
-              <a:rPr lang="en-US" b="0" i="0" dirty="0">
-                <a:solidFill>
-                  <a:schemeClr val="bg1"/>
-                </a:solidFill>
-                <a:effectLst/>
-              </a:rPr>
-              <a:t>Calculate the percentage of BEVs relative to the total number of electric vehicles, providing insights into the dominance of fully electric models.</a:t>
-            </a:r>
-            <a:endParaRPr lang="en-US" b="0" i="0" dirty="0">
-              <a:solidFill>
-                <a:schemeClr val="bg1"/>
-              </a:solidFill>
-              <a:effectLst/>
-            </a:endParaRPr>
-          </a:p>
-          <a:p>
-            <a:pPr>
-              <a:lnSpc>
-                <a:spcPct val="150000"/>
-              </a:lnSpc>
-            </a:pPr>
-            <a:r>
-              <a:rPr lang="en-US" b="1" dirty="0">
-                <a:solidFill>
-                  <a:schemeClr val="accent6">
-                    <a:lumMod val="60000"/>
-                    <a:lumOff val="40000"/>
-                  </a:schemeClr>
-                </a:solidFill>
-              </a:rPr>
-              <a:t>4. Total PHEV Vehicles and % of Total PHEV Vehicles:</a:t>
-            </a:r>
-            <a:endParaRPr lang="en-US" b="1" dirty="0">
-              <a:solidFill>
-                <a:schemeClr val="accent6">
-                  <a:lumMod val="60000"/>
-                  <a:lumOff val="40000"/>
-                </a:schemeClr>
-              </a:solidFill>
-            </a:endParaRPr>
-          </a:p>
-          <a:p>
-            <a:pPr marL="742950" lvl="1" indent="-285750" algn="l">
-              <a:lnSpc>
-                <a:spcPct val="150000"/>
-              </a:lnSpc>
-              <a:buFont typeface="Arial" panose="020B0604020202020204" pitchFamily="34" charset="0"/>
-              <a:buChar char="•"/>
-            </a:pPr>
-            <a:r>
-              <a:rPr lang="en-US" b="0" i="0" dirty="0">
-                <a:solidFill>
-                  <a:schemeClr val="bg1"/>
-                </a:solidFill>
-                <a:effectLst/>
-              </a:rPr>
-              <a:t>Identify and analyze the total number of Plug-in Hybrid Electric Vehicles (PHEVs) in the dataset.</a:t>
-            </a:r>
-            <a:endParaRPr lang="en-US" b="0" i="0" dirty="0">
-              <a:solidFill>
-                <a:schemeClr val="bg1"/>
-              </a:solidFill>
-              <a:effectLst/>
-            </a:endParaRPr>
-          </a:p>
-          <a:p>
-            <a:pPr marL="742950" lvl="1" indent="-285750" algn="l">
-              <a:lnSpc>
-                <a:spcPct val="150000"/>
-              </a:lnSpc>
-              <a:buFont typeface="Arial" panose="020B0604020202020204" pitchFamily="34" charset="0"/>
-              <a:buChar char="•"/>
-            </a:pPr>
-            <a:r>
-              <a:rPr lang="en-US" b="0" i="0" dirty="0">
-                <a:solidFill>
-                  <a:schemeClr val="bg1"/>
-                </a:solidFill>
-                <a:effectLst/>
-              </a:rPr>
-              <a:t>Calculate the percentage of PHEVs relative to the total number of electric vehicles, offering insights into the market share of plug-in hybrid models.</a:t>
-            </a:r>
-            <a:endParaRPr lang="en-US" b="0" i="0" dirty="0">
-              <a:solidFill>
-                <a:schemeClr val="bg1"/>
-              </a:solidFill>
-              <a:effectLst/>
-            </a:endParaRPr>
-          </a:p>
-        </p:txBody>
-      </p:sp>
-      <p:pic>
-        <p:nvPicPr>
-          <p:cNvPr id="9" name="Picture 8"/>
-          <p:cNvPicPr>
-            <a:picLocks noChangeAspect="1"/>
-          </p:cNvPicPr>
-          <p:nvPr/>
-        </p:nvPicPr>
-        <p:blipFill>
-          <a:blip r:embed="rId2">
-            <a:extLst>
-              <a:ext uri="{28A0092B-C50C-407E-A947-70E740481C1C}">
-                <a14:useLocalDpi xmlns:a14="http://schemas.microsoft.com/office/drawing/2010/main" val="0"/>
-              </a:ext>
-            </a:extLst>
-          </a:blip>
-          <a:stretch>
-            <a:fillRect/>
-          </a:stretch>
-        </p:blipFill>
-        <p:spPr>
-          <a:xfrm>
-            <a:off x="11095721" y="97408"/>
-            <a:ext cx="966883" cy="697319"/>
-          </a:xfrm>
-          <a:prstGeom prst="rect">
-            <a:avLst/>
-          </a:prstGeom>
-        </p:spPr>
-      </p:pic>
-    </p:spTree>
-  </p:cSld>
-  <p:clrMapOvr>
-    <a:masterClrMapping/>
-  </p:clrMapOvr>
-</p:sld>
-</file>
-
-<file path=ppt/slides/slide3.xml><?xml version="1.0" encoding="utf-8"?>
-<p:sld xmlns:a="http://schemas.openxmlformats.org/drawingml/2006/main" xmlns:r="http://schemas.openxmlformats.org/officeDocument/2006/relationships" xmlns:p="http://schemas.openxmlformats.org/presentationml/2006/main">
-  <p:cSld>
-    <p:bg>
-      <p:bgPr>
-        <a:solidFill>
-          <a:srgbClr val="2C451B"/>
-        </a:solidFill>
-        <a:effectLst/>
-      </p:bgPr>
-    </p:bg>
-    <p:spTree>
-      <p:nvGrpSpPr>
-        <p:cNvPr id="1" name=""/>
-        <p:cNvGrpSpPr/>
-        <p:nvPr/>
-      </p:nvGrpSpPr>
-      <p:grpSpPr>
-        <a:xfrm>
-          <a:off x="0" y="0"/>
-          <a:ext cx="0" cy="0"/>
-          <a:chOff x="0" y="0"/>
-          <a:chExt cx="0" cy="0"/>
-        </a:xfrm>
-      </p:grpSpPr>
-      <p:pic>
-        <p:nvPicPr>
-          <p:cNvPr id="5" name="Picture 4"/>
-          <p:cNvPicPr>
-            <a:picLocks noChangeAspect="1"/>
-          </p:cNvPicPr>
-          <p:nvPr/>
-        </p:nvPicPr>
-        <p:blipFill>
-          <a:blip r:embed="rId1">
-            <a:alphaModFix amt="5000"/>
-          </a:blip>
-          <a:stretch>
-            <a:fillRect/>
-          </a:stretch>
-        </p:blipFill>
-        <p:spPr>
-          <a:xfrm>
-            <a:off x="82" y="0"/>
-            <a:ext cx="12191918" cy="6858000"/>
-          </a:xfrm>
-          <a:prstGeom prst="rect">
-            <a:avLst/>
-          </a:prstGeom>
-        </p:spPr>
-      </p:pic>
-      <p:sp>
-        <p:nvSpPr>
-          <p:cNvPr id="6" name="TextBox 5"/>
-          <p:cNvSpPr txBox="1"/>
-          <p:nvPr/>
-        </p:nvSpPr>
-        <p:spPr>
-          <a:xfrm>
-            <a:off x="120770" y="-51756"/>
-            <a:ext cx="5408763" cy="707886"/>
-          </a:xfrm>
-          <a:prstGeom prst="rect">
-            <a:avLst/>
-          </a:prstGeom>
-          <a:noFill/>
-        </p:spPr>
-        <p:txBody>
-          <a:bodyPr wrap="square" rtlCol="0">
-            <a:spAutoFit/>
-          </a:bodyPr>
-          <a:lstStyle/>
-          <a:p>
-            <a:r>
-              <a:rPr lang="en-IN" sz="4000" b="1" dirty="0">
-                <a:solidFill>
-                  <a:schemeClr val="bg1"/>
-                </a:solidFill>
-              </a:rPr>
-              <a:t>PROBLEM STATEMENT</a:t>
-            </a:r>
-            <a:endParaRPr lang="en-IN" sz="4000" b="1" dirty="0">
-              <a:solidFill>
-                <a:schemeClr val="bg1"/>
-              </a:solidFill>
-            </a:endParaRPr>
-          </a:p>
-        </p:txBody>
-      </p:sp>
-      <p:sp>
-        <p:nvSpPr>
-          <p:cNvPr id="7" name="TextBox 6"/>
-          <p:cNvSpPr txBox="1"/>
-          <p:nvPr/>
-        </p:nvSpPr>
-        <p:spPr>
-          <a:xfrm>
-            <a:off x="129396" y="572705"/>
-            <a:ext cx="4477109" cy="400110"/>
-          </a:xfrm>
-          <a:prstGeom prst="rect">
-            <a:avLst/>
-          </a:prstGeom>
-          <a:noFill/>
-        </p:spPr>
-        <p:txBody>
-          <a:bodyPr wrap="square" rtlCol="0">
-            <a:spAutoFit/>
-          </a:bodyPr>
-          <a:lstStyle/>
-          <a:p>
-            <a:r>
-              <a:rPr lang="en-IN" sz="2000" b="1" dirty="0">
-                <a:solidFill>
-                  <a:srgbClr val="FFC000"/>
-                </a:solidFill>
-              </a:rPr>
-              <a:t>Charts Requirement</a:t>
-            </a:r>
-            <a:endParaRPr lang="en-IN" sz="2000" b="1" dirty="0">
-              <a:solidFill>
-                <a:srgbClr val="FFC000"/>
-              </a:solidFill>
-            </a:endParaRPr>
-          </a:p>
-        </p:txBody>
-      </p:sp>
-      <p:sp>
-        <p:nvSpPr>
-          <p:cNvPr id="8" name="TextBox 7"/>
-          <p:cNvSpPr txBox="1"/>
-          <p:nvPr/>
-        </p:nvSpPr>
-        <p:spPr>
-          <a:xfrm>
-            <a:off x="129396" y="1031228"/>
+            <a:off x="192261" y="1031228"/>
             <a:ext cx="10834778" cy="5632311"/>
           </a:xfrm>
           <a:prstGeom prst="rect">
@@ -3862,268 +3783,6 @@
           </a:p>
         </p:txBody>
       </p:sp>
-      <p:pic>
-        <p:nvPicPr>
-          <p:cNvPr id="3" name="Picture 2"/>
-          <p:cNvPicPr>
-            <a:picLocks noChangeAspect="1"/>
-          </p:cNvPicPr>
-          <p:nvPr/>
-        </p:nvPicPr>
-        <p:blipFill>
-          <a:blip r:embed="rId2">
-            <a:extLst>
-              <a:ext uri="{28A0092B-C50C-407E-A947-70E740481C1C}">
-                <a14:useLocalDpi xmlns:a14="http://schemas.microsoft.com/office/drawing/2010/main" val="0"/>
-              </a:ext>
-            </a:extLst>
-          </a:blip>
-          <a:stretch>
-            <a:fillRect/>
-          </a:stretch>
-        </p:blipFill>
-        <p:spPr>
-          <a:xfrm>
-            <a:off x="11095721" y="97408"/>
-            <a:ext cx="966883" cy="697319"/>
-          </a:xfrm>
-          <a:prstGeom prst="rect">
-            <a:avLst/>
-          </a:prstGeom>
-        </p:spPr>
-      </p:pic>
-    </p:spTree>
-  </p:cSld>
-  <p:clrMapOvr>
-    <a:masterClrMapping/>
-  </p:clrMapOvr>
-</p:sld>
-</file>
-
-<file path=ppt/slides/slide4.xml><?xml version="1.0" encoding="utf-8"?>
-<p:sld xmlns:a="http://schemas.openxmlformats.org/drawingml/2006/main" xmlns:r="http://schemas.openxmlformats.org/officeDocument/2006/relationships" xmlns:p="http://schemas.openxmlformats.org/presentationml/2006/main">
-  <p:cSld>
-    <p:bg>
-      <p:bgPr>
-        <a:solidFill>
-          <a:srgbClr val="2C451B"/>
-        </a:solidFill>
-        <a:effectLst/>
-      </p:bgPr>
-    </p:bg>
-    <p:spTree>
-      <p:nvGrpSpPr>
-        <p:cNvPr id="1" name=""/>
-        <p:cNvGrpSpPr/>
-        <p:nvPr/>
-      </p:nvGrpSpPr>
-      <p:grpSpPr>
-        <a:xfrm>
-          <a:off x="0" y="0"/>
-          <a:ext cx="0" cy="0"/>
-          <a:chOff x="0" y="0"/>
-          <a:chExt cx="0" cy="0"/>
-        </a:xfrm>
-      </p:grpSpPr>
-      <p:pic>
-        <p:nvPicPr>
-          <p:cNvPr id="5" name="Picture 4"/>
-          <p:cNvPicPr>
-            <a:picLocks noChangeAspect="1"/>
-          </p:cNvPicPr>
-          <p:nvPr/>
-        </p:nvPicPr>
-        <p:blipFill>
-          <a:blip r:embed="rId1">
-            <a:alphaModFix amt="5000"/>
-          </a:blip>
-          <a:stretch>
-            <a:fillRect/>
-          </a:stretch>
-        </p:blipFill>
-        <p:spPr>
-          <a:xfrm>
-            <a:off x="82" y="0"/>
-            <a:ext cx="12191918" cy="6858000"/>
-          </a:xfrm>
-          <a:prstGeom prst="rect">
-            <a:avLst/>
-          </a:prstGeom>
-        </p:spPr>
-      </p:pic>
-      <p:sp>
-        <p:nvSpPr>
-          <p:cNvPr id="4" name="TextBox 3"/>
-          <p:cNvSpPr txBox="1"/>
-          <p:nvPr/>
-        </p:nvSpPr>
-        <p:spPr>
-          <a:xfrm>
-            <a:off x="120770" y="0"/>
-            <a:ext cx="7712015" cy="707886"/>
-          </a:xfrm>
-          <a:prstGeom prst="rect">
-            <a:avLst/>
-          </a:prstGeom>
-          <a:noFill/>
-        </p:spPr>
-        <p:txBody>
-          <a:bodyPr wrap="square" rtlCol="0">
-            <a:spAutoFit/>
-          </a:bodyPr>
-          <a:lstStyle/>
-          <a:p>
-            <a:r>
-              <a:rPr lang="en-IN" sz="4000" b="1" dirty="0">
-                <a:solidFill>
-                  <a:schemeClr val="bg1"/>
-                </a:solidFill>
-              </a:rPr>
-              <a:t>SOFTWARES USED</a:t>
-            </a:r>
-            <a:endParaRPr lang="en-IN" sz="4000" b="1" dirty="0">
-              <a:solidFill>
-                <a:schemeClr val="bg1"/>
-              </a:solidFill>
-            </a:endParaRPr>
-          </a:p>
-        </p:txBody>
-      </p:sp>
-      <p:sp>
-        <p:nvSpPr>
-          <p:cNvPr id="6" name="TextBox 5"/>
-          <p:cNvSpPr txBox="1"/>
-          <p:nvPr/>
-        </p:nvSpPr>
-        <p:spPr>
-          <a:xfrm>
-            <a:off x="327804" y="1366935"/>
-            <a:ext cx="8648700" cy="1246495"/>
-          </a:xfrm>
-          <a:prstGeom prst="rect">
-            <a:avLst/>
-          </a:prstGeom>
-          <a:noFill/>
-        </p:spPr>
-        <p:txBody>
-          <a:bodyPr wrap="square" rtlCol="0">
-            <a:spAutoFit/>
-          </a:bodyPr>
-          <a:lstStyle/>
-          <a:p>
-            <a:r>
-              <a:rPr lang="en-IN" sz="2500" b="1" dirty="0">
-                <a:solidFill>
-                  <a:srgbClr val="FFC000"/>
-                </a:solidFill>
-                <a:latin typeface="Century Gothic" panose="020B0502020202020204" pitchFamily="34" charset="0"/>
-              </a:rPr>
-              <a:t>1. MS OFFICE/ EXCEL: </a:t>
-            </a:r>
-            <a:r>
-              <a:rPr lang="en-IN" sz="2500" b="1" dirty="0">
-                <a:solidFill>
-                  <a:schemeClr val="bg1">
-                    <a:lumMod val="95000"/>
-                  </a:schemeClr>
-                </a:solidFill>
-                <a:latin typeface="Century Gothic" panose="020B0502020202020204" pitchFamily="34" charset="0"/>
-              </a:rPr>
-              <a:t>VERSION 2021</a:t>
-            </a:r>
-            <a:endParaRPr lang="en-IN" sz="2500" b="1" dirty="0">
-              <a:solidFill>
-                <a:schemeClr val="bg1">
-                  <a:lumMod val="95000"/>
-                </a:schemeClr>
-              </a:solidFill>
-              <a:latin typeface="Century Gothic" panose="020B0502020202020204" pitchFamily="34" charset="0"/>
-            </a:endParaRPr>
-          </a:p>
-          <a:p>
-            <a:endParaRPr lang="en-IN" sz="2500" b="1" dirty="0">
-              <a:solidFill>
-                <a:schemeClr val="bg1">
-                  <a:lumMod val="95000"/>
-                </a:schemeClr>
-              </a:solidFill>
-              <a:latin typeface="Century Gothic" panose="020B0502020202020204" pitchFamily="34" charset="0"/>
-            </a:endParaRPr>
-          </a:p>
-          <a:p>
-            <a:r>
-              <a:rPr lang="en-IN" sz="2500" b="1" dirty="0">
-                <a:solidFill>
-                  <a:srgbClr val="FFC000"/>
-                </a:solidFill>
-                <a:latin typeface="Century Gothic" panose="020B0502020202020204" pitchFamily="34" charset="0"/>
-              </a:rPr>
-              <a:t>2. POWER BI</a:t>
-            </a:r>
-            <a:r>
-              <a:rPr lang="en-IN" sz="2500" b="1" dirty="0">
-                <a:solidFill>
-                  <a:schemeClr val="accent6">
-                    <a:lumMod val="60000"/>
-                    <a:lumOff val="40000"/>
-                  </a:schemeClr>
-                </a:solidFill>
-                <a:latin typeface="Century Gothic" panose="020B0502020202020204" pitchFamily="34" charset="0"/>
-              </a:rPr>
-              <a:t>: </a:t>
-            </a:r>
-            <a:r>
-              <a:rPr lang="en-IN" sz="2500" b="1" dirty="0">
-                <a:solidFill>
-                  <a:schemeClr val="bg1">
-                    <a:lumMod val="95000"/>
-                  </a:schemeClr>
-                </a:solidFill>
-                <a:latin typeface="Century Gothic" panose="020B0502020202020204" pitchFamily="34" charset="0"/>
-              </a:rPr>
-              <a:t>Dec 2023 Version </a:t>
-            </a:r>
-            <a:endParaRPr lang="en-IN" sz="2500" b="1" dirty="0">
-              <a:solidFill>
-                <a:schemeClr val="bg1">
-                  <a:lumMod val="95000"/>
-                </a:schemeClr>
-              </a:solidFill>
-              <a:latin typeface="Century Gothic" panose="020B0502020202020204" pitchFamily="34" charset="0"/>
-            </a:endParaRPr>
-          </a:p>
-        </p:txBody>
-      </p:sp>
-      <p:pic>
-        <p:nvPicPr>
-          <p:cNvPr id="8" name="Picture 7"/>
-          <p:cNvPicPr>
-            <a:picLocks noChangeAspect="1"/>
-          </p:cNvPicPr>
-          <p:nvPr/>
-        </p:nvPicPr>
-        <p:blipFill>
-          <a:blip r:embed="rId2">
-            <a:extLst>
-              <a:ext uri="{28A0092B-C50C-407E-A947-70E740481C1C}">
-                <a14:useLocalDpi xmlns:a14="http://schemas.microsoft.com/office/drawing/2010/main" val="0"/>
-              </a:ext>
-            </a:extLst>
-          </a:blip>
-          <a:stretch>
-            <a:fillRect/>
-          </a:stretch>
-        </p:blipFill>
-        <p:spPr>
-          <a:xfrm>
-            <a:off x="11095721" y="97408"/>
-            <a:ext cx="966883" cy="697319"/>
-          </a:xfrm>
-          <a:prstGeom prst="rect">
-            <a:avLst/>
-          </a:prstGeom>
-        </p:spPr>
-      </p:pic>
     </p:spTree>
   </p:cSld>
   <p:clrMapOvr>
